--- a/mainstuff/design.pptx
+++ b/mainstuff/design.pptx
@@ -7,8 +7,9 @@
   <p:sldIdLst>
     <p:sldId id="256" r:id="rId2"/>
     <p:sldId id="257" r:id="rId3"/>
-    <p:sldId id="258" r:id="rId4"/>
-    <p:sldId id="259" r:id="rId5"/>
+    <p:sldId id="260" r:id="rId4"/>
+    <p:sldId id="258" r:id="rId5"/>
+    <p:sldId id="259" r:id="rId6"/>
   </p:sldIdLst>
   <p:sldSz cx="12192000" cy="6858000"/>
   <p:notesSz cx="6858000" cy="9144000"/>
@@ -264,7 +265,7 @@
           <a:p>
             <a:fld id="{0FCB4D21-883A-4778-BE21-490064CAD6F4}" type="datetimeFigureOut">
               <a:rPr lang="en-NZ" smtClean="0"/>
-              <a:t>26/04/2020</a:t>
+              <a:t>28/04/2020</a:t>
             </a:fld>
             <a:endParaRPr lang="en-NZ"/>
           </a:p>
@@ -464,7 +465,7 @@
           <a:p>
             <a:fld id="{0FCB4D21-883A-4778-BE21-490064CAD6F4}" type="datetimeFigureOut">
               <a:rPr lang="en-NZ" smtClean="0"/>
-              <a:t>26/04/2020</a:t>
+              <a:t>28/04/2020</a:t>
             </a:fld>
             <a:endParaRPr lang="en-NZ"/>
           </a:p>
@@ -674,7 +675,7 @@
           <a:p>
             <a:fld id="{0FCB4D21-883A-4778-BE21-490064CAD6F4}" type="datetimeFigureOut">
               <a:rPr lang="en-NZ" smtClean="0"/>
-              <a:t>26/04/2020</a:t>
+              <a:t>28/04/2020</a:t>
             </a:fld>
             <a:endParaRPr lang="en-NZ"/>
           </a:p>
@@ -874,7 +875,7 @@
           <a:p>
             <a:fld id="{0FCB4D21-883A-4778-BE21-490064CAD6F4}" type="datetimeFigureOut">
               <a:rPr lang="en-NZ" smtClean="0"/>
-              <a:t>26/04/2020</a:t>
+              <a:t>28/04/2020</a:t>
             </a:fld>
             <a:endParaRPr lang="en-NZ"/>
           </a:p>
@@ -1150,7 +1151,7 @@
           <a:p>
             <a:fld id="{0FCB4D21-883A-4778-BE21-490064CAD6F4}" type="datetimeFigureOut">
               <a:rPr lang="en-NZ" smtClean="0"/>
-              <a:t>26/04/2020</a:t>
+              <a:t>28/04/2020</a:t>
             </a:fld>
             <a:endParaRPr lang="en-NZ"/>
           </a:p>
@@ -1418,7 +1419,7 @@
           <a:p>
             <a:fld id="{0FCB4D21-883A-4778-BE21-490064CAD6F4}" type="datetimeFigureOut">
               <a:rPr lang="en-NZ" smtClean="0"/>
-              <a:t>26/04/2020</a:t>
+              <a:t>28/04/2020</a:t>
             </a:fld>
             <a:endParaRPr lang="en-NZ"/>
           </a:p>
@@ -1833,7 +1834,7 @@
           <a:p>
             <a:fld id="{0FCB4D21-883A-4778-BE21-490064CAD6F4}" type="datetimeFigureOut">
               <a:rPr lang="en-NZ" smtClean="0"/>
-              <a:t>26/04/2020</a:t>
+              <a:t>28/04/2020</a:t>
             </a:fld>
             <a:endParaRPr lang="en-NZ"/>
           </a:p>
@@ -1975,7 +1976,7 @@
           <a:p>
             <a:fld id="{0FCB4D21-883A-4778-BE21-490064CAD6F4}" type="datetimeFigureOut">
               <a:rPr lang="en-NZ" smtClean="0"/>
-              <a:t>26/04/2020</a:t>
+              <a:t>28/04/2020</a:t>
             </a:fld>
             <a:endParaRPr lang="en-NZ"/>
           </a:p>
@@ -2088,7 +2089,7 @@
           <a:p>
             <a:fld id="{0FCB4D21-883A-4778-BE21-490064CAD6F4}" type="datetimeFigureOut">
               <a:rPr lang="en-NZ" smtClean="0"/>
-              <a:t>26/04/2020</a:t>
+              <a:t>28/04/2020</a:t>
             </a:fld>
             <a:endParaRPr lang="en-NZ"/>
           </a:p>
@@ -2401,7 +2402,7 @@
           <a:p>
             <a:fld id="{0FCB4D21-883A-4778-BE21-490064CAD6F4}" type="datetimeFigureOut">
               <a:rPr lang="en-NZ" smtClean="0"/>
-              <a:t>26/04/2020</a:t>
+              <a:t>28/04/2020</a:t>
             </a:fld>
             <a:endParaRPr lang="en-NZ"/>
           </a:p>
@@ -2690,7 +2691,7 @@
           <a:p>
             <a:fld id="{0FCB4D21-883A-4778-BE21-490064CAD6F4}" type="datetimeFigureOut">
               <a:rPr lang="en-NZ" smtClean="0"/>
-              <a:t>26/04/2020</a:t>
+              <a:t>28/04/2020</a:t>
             </a:fld>
             <a:endParaRPr lang="en-NZ"/>
           </a:p>
@@ -2933,7 +2934,7 @@
           <a:p>
             <a:fld id="{0FCB4D21-883A-4778-BE21-490064CAD6F4}" type="datetimeFigureOut">
               <a:rPr lang="en-NZ" smtClean="0"/>
-              <a:t>26/04/2020</a:t>
+              <a:t>28/04/2020</a:t>
             </a:fld>
             <a:endParaRPr lang="en-NZ"/>
           </a:p>
@@ -7889,6 +7890,2421 @@
           <a:chExt cx="0" cy="0"/>
         </a:xfrm>
       </p:grpSpPr>
+      <p:sp>
+        <p:nvSpPr>
+          <p:cNvPr id="3" name="Rectangle: Rounded Corners 2">
+            <a:extLst>
+              <a:ext uri="{FF2B5EF4-FFF2-40B4-BE49-F238E27FC236}">
+                <a16:creationId xmlns:a16="http://schemas.microsoft.com/office/drawing/2014/main" id="{226C7199-185D-4BBD-9EC2-BFE128CCBA57}"/>
+              </a:ext>
+            </a:extLst>
+          </p:cNvPr>
+          <p:cNvSpPr/>
+          <p:nvPr/>
+        </p:nvSpPr>
+        <p:spPr>
+          <a:xfrm>
+            <a:off x="0" y="0"/>
+            <a:ext cx="12192000" cy="6858000"/>
+          </a:xfrm>
+          <a:prstGeom prst="roundRect">
+            <a:avLst>
+              <a:gd name="adj" fmla="val 0"/>
+            </a:avLst>
+          </a:prstGeom>
+          <a:gradFill>
+            <a:gsLst>
+              <a:gs pos="0">
+                <a:srgbClr val="FB8C07"/>
+              </a:gs>
+              <a:gs pos="100000">
+                <a:srgbClr val="E43F19"/>
+              </a:gs>
+            </a:gsLst>
+            <a:lin ang="5400000" scaled="1"/>
+          </a:gradFill>
+          <a:ln>
+            <a:noFill/>
+          </a:ln>
+        </p:spPr>
+        <p:style>
+          <a:lnRef idx="2">
+            <a:schemeClr val="accent1">
+              <a:shade val="50000"/>
+            </a:schemeClr>
+          </a:lnRef>
+          <a:fillRef idx="1">
+            <a:schemeClr val="accent1"/>
+          </a:fillRef>
+          <a:effectRef idx="0">
+            <a:schemeClr val="accent1"/>
+          </a:effectRef>
+          <a:fontRef idx="minor">
+            <a:schemeClr val="lt1"/>
+          </a:fontRef>
+        </p:style>
+        <p:txBody>
+          <a:bodyPr rtlCol="0" anchor="ctr"/>
+          <a:lstStyle/>
+          <a:p>
+            <a:pPr algn="ctr"/>
+            <a:endParaRPr lang="en-NZ"/>
+          </a:p>
+        </p:txBody>
+      </p:sp>
+      <p:pic>
+        <p:nvPicPr>
+          <p:cNvPr id="9" name="Picture 8" descr="A picture containing star, stage, computer, monitor&#10;&#10;Description automatically generated">
+            <a:extLst>
+              <a:ext uri="{FF2B5EF4-FFF2-40B4-BE49-F238E27FC236}">
+                <a16:creationId xmlns:a16="http://schemas.microsoft.com/office/drawing/2014/main" id="{8ED6F757-F274-48A6-9E25-CBA15CB719E5}"/>
+              </a:ext>
+            </a:extLst>
+          </p:cNvPr>
+          <p:cNvPicPr>
+            <a:picLocks noChangeAspect="1"/>
+          </p:cNvPicPr>
+          <p:nvPr/>
+        </p:nvPicPr>
+        <p:blipFill rotWithShape="1">
+          <a:blip r:embed="rId2">
+            <a:duotone>
+              <a:prstClr val="black"/>
+              <a:schemeClr val="accent3">
+                <a:tint val="45000"/>
+                <a:satMod val="400000"/>
+              </a:schemeClr>
+            </a:duotone>
+            <a:extLst>
+              <a:ext uri="{28A0092B-C50C-407E-A947-70E740481C1C}">
+                <a14:useLocalDpi xmlns:a14="http://schemas.microsoft.com/office/drawing/2010/main" val="0"/>
+              </a:ext>
+            </a:extLst>
+          </a:blip>
+          <a:srcRect b="30764"/>
+          <a:stretch/>
+        </p:blipFill>
+        <p:spPr>
+          <a:xfrm>
+            <a:off x="-3" y="656"/>
+            <a:ext cx="12162440" cy="6857344"/>
+          </a:xfrm>
+          <a:prstGeom prst="rect">
+            <a:avLst/>
+          </a:prstGeom>
+        </p:spPr>
+      </p:pic>
+      <p:pic>
+        <p:nvPicPr>
+          <p:cNvPr id="1026" name="Picture 2" descr="Website Template. Vector Illustration. Orange And Black Color ...">
+            <a:extLst>
+              <a:ext uri="{FF2B5EF4-FFF2-40B4-BE49-F238E27FC236}">
+                <a16:creationId xmlns:a16="http://schemas.microsoft.com/office/drawing/2014/main" id="{3248FE31-7BEA-430F-9F44-A6730831DEF1}"/>
+              </a:ext>
+            </a:extLst>
+          </p:cNvPr>
+          <p:cNvPicPr>
+            <a:picLocks noChangeAspect="1" noChangeArrowheads="1"/>
+          </p:cNvPicPr>
+          <p:nvPr/>
+        </p:nvPicPr>
+        <p:blipFill>
+          <a:blip r:embed="rId3">
+            <a:extLst>
+              <a:ext uri="{28A0092B-C50C-407E-A947-70E740481C1C}">
+                <a14:useLocalDpi xmlns:a14="http://schemas.microsoft.com/office/drawing/2010/main" val="0"/>
+              </a:ext>
+            </a:extLst>
+          </a:blip>
+          <a:srcRect/>
+          <a:stretch>
+            <a:fillRect/>
+          </a:stretch>
+        </p:blipFill>
+        <p:spPr bwMode="auto">
+          <a:xfrm>
+            <a:off x="14409129" y="828322"/>
+            <a:ext cx="5201356" cy="5201356"/>
+          </a:xfrm>
+          <a:prstGeom prst="rect">
+            <a:avLst/>
+          </a:prstGeom>
+          <a:noFill/>
+          <a:extLst>
+            <a:ext uri="{909E8E84-426E-40DD-AFC4-6F175D3DCCD1}">
+              <a14:hiddenFill xmlns:a14="http://schemas.microsoft.com/office/drawing/2010/main">
+                <a:solidFill>
+                  <a:srgbClr val="FFFFFF"/>
+                </a:solidFill>
+              </a14:hiddenFill>
+            </a:ext>
+          </a:extLst>
+        </p:spPr>
+      </p:pic>
+      <p:pic>
+        <p:nvPicPr>
+          <p:cNvPr id="1028" name="Picture 4" descr="10 Modern Web Design Trends to Inspire Your 2020 Strategy">
+            <a:extLst>
+              <a:ext uri="{FF2B5EF4-FFF2-40B4-BE49-F238E27FC236}">
+                <a16:creationId xmlns:a16="http://schemas.microsoft.com/office/drawing/2014/main" id="{7CF70678-2CC7-4734-959A-73850439ADEA}"/>
+              </a:ext>
+            </a:extLst>
+          </p:cNvPr>
+          <p:cNvPicPr>
+            <a:picLocks noChangeAspect="1" noChangeArrowheads="1"/>
+          </p:cNvPicPr>
+          <p:nvPr/>
+        </p:nvPicPr>
+        <p:blipFill>
+          <a:blip r:embed="rId4">
+            <a:extLst>
+              <a:ext uri="{28A0092B-C50C-407E-A947-70E740481C1C}">
+                <a14:useLocalDpi xmlns:a14="http://schemas.microsoft.com/office/drawing/2010/main" val="0"/>
+              </a:ext>
+            </a:extLst>
+          </a:blip>
+          <a:srcRect/>
+          <a:stretch>
+            <a:fillRect/>
+          </a:stretch>
+        </p:blipFill>
+        <p:spPr bwMode="auto">
+          <a:xfrm>
+            <a:off x="14308185" y="2374759"/>
+            <a:ext cx="7702073" cy="3654919"/>
+          </a:xfrm>
+          <a:prstGeom prst="rect">
+            <a:avLst/>
+          </a:prstGeom>
+          <a:noFill/>
+          <a:extLst>
+            <a:ext uri="{909E8E84-426E-40DD-AFC4-6F175D3DCCD1}">
+              <a14:hiddenFill xmlns:a14="http://schemas.microsoft.com/office/drawing/2010/main">
+                <a:solidFill>
+                  <a:srgbClr val="FFFFFF"/>
+                </a:solidFill>
+              </a14:hiddenFill>
+            </a:ext>
+          </a:extLst>
+        </p:spPr>
+      </p:pic>
+      <p:pic>
+        <p:nvPicPr>
+          <p:cNvPr id="1030" name="Picture 6" descr="10 Innovative and Modern Web Design Trends">
+            <a:extLst>
+              <a:ext uri="{FF2B5EF4-FFF2-40B4-BE49-F238E27FC236}">
+                <a16:creationId xmlns:a16="http://schemas.microsoft.com/office/drawing/2014/main" id="{33AE3D8C-9B37-46F8-AA20-285F158090D4}"/>
+              </a:ext>
+            </a:extLst>
+          </p:cNvPr>
+          <p:cNvPicPr>
+            <a:picLocks noChangeAspect="1" noChangeArrowheads="1"/>
+          </p:cNvPicPr>
+          <p:nvPr/>
+        </p:nvPicPr>
+        <p:blipFill>
+          <a:blip r:embed="rId5">
+            <a:extLst>
+              <a:ext uri="{28A0092B-C50C-407E-A947-70E740481C1C}">
+                <a14:useLocalDpi xmlns:a14="http://schemas.microsoft.com/office/drawing/2010/main" val="0"/>
+              </a:ext>
+            </a:extLst>
+          </a:blip>
+          <a:srcRect/>
+          <a:stretch>
+            <a:fillRect/>
+          </a:stretch>
+        </p:blipFill>
+        <p:spPr bwMode="auto">
+          <a:xfrm>
+            <a:off x="12192000" y="-5225076"/>
+            <a:ext cx="5967222" cy="4609871"/>
+          </a:xfrm>
+          <a:prstGeom prst="rect">
+            <a:avLst/>
+          </a:prstGeom>
+          <a:noFill/>
+          <a:extLst>
+            <a:ext uri="{909E8E84-426E-40DD-AFC4-6F175D3DCCD1}">
+              <a14:hiddenFill xmlns:a14="http://schemas.microsoft.com/office/drawing/2010/main">
+                <a:solidFill>
+                  <a:srgbClr val="FFFFFF"/>
+                </a:solidFill>
+              </a14:hiddenFill>
+            </a:ext>
+          </a:extLst>
+        </p:spPr>
+      </p:pic>
+      <p:pic>
+        <p:nvPicPr>
+          <p:cNvPr id="1046" name="Picture 22" descr="105 Free Simple Website Templates Based On HTML &amp; CSS 2020 - Colorlib">
+            <a:extLst>
+              <a:ext uri="{FF2B5EF4-FFF2-40B4-BE49-F238E27FC236}">
+                <a16:creationId xmlns:a16="http://schemas.microsoft.com/office/drawing/2014/main" id="{B8D3CB21-56DF-4DC5-A3D9-B1B799F1F58C}"/>
+              </a:ext>
+            </a:extLst>
+          </p:cNvPr>
+          <p:cNvPicPr>
+            <a:picLocks noChangeAspect="1" noChangeArrowheads="1"/>
+          </p:cNvPicPr>
+          <p:nvPr/>
+        </p:nvPicPr>
+        <p:blipFill rotWithShape="1">
+          <a:blip r:embed="rId6">
+            <a:extLst>
+              <a:ext uri="{28A0092B-C50C-407E-A947-70E740481C1C}">
+                <a14:useLocalDpi xmlns:a14="http://schemas.microsoft.com/office/drawing/2010/main" val="0"/>
+              </a:ext>
+            </a:extLst>
+          </a:blip>
+          <a:srcRect l="3065" t="4773" r="3223" b="28079"/>
+          <a:stretch/>
+        </p:blipFill>
+        <p:spPr bwMode="auto">
+          <a:xfrm>
+            <a:off x="-3200400" y="-7657061"/>
+            <a:ext cx="12192000" cy="6858001"/>
+          </a:xfrm>
+          <a:prstGeom prst="rect">
+            <a:avLst/>
+          </a:prstGeom>
+          <a:noFill/>
+          <a:extLst>
+            <a:ext uri="{909E8E84-426E-40DD-AFC4-6F175D3DCCD1}">
+              <a14:hiddenFill xmlns:a14="http://schemas.microsoft.com/office/drawing/2010/main">
+                <a:solidFill>
+                  <a:srgbClr val="FFFFFF"/>
+                </a:solidFill>
+              </a14:hiddenFill>
+            </a:ext>
+          </a:extLst>
+        </p:spPr>
+      </p:pic>
+      <p:pic>
+        <p:nvPicPr>
+          <p:cNvPr id="15" name="Picture 14">
+            <a:extLst>
+              <a:ext uri="{FF2B5EF4-FFF2-40B4-BE49-F238E27FC236}">
+                <a16:creationId xmlns:a16="http://schemas.microsoft.com/office/drawing/2014/main" id="{36F96060-B458-41EA-A7ED-0B2021EC3EDB}"/>
+              </a:ext>
+            </a:extLst>
+          </p:cNvPr>
+          <p:cNvPicPr>
+            <a:picLocks noChangeAspect="1"/>
+          </p:cNvPicPr>
+          <p:nvPr/>
+        </p:nvPicPr>
+        <p:blipFill>
+          <a:blip r:embed="rId7">
+            <a:extLst>
+              <a:ext uri="{BEBA8EAE-BF5A-486C-A8C5-ECC9F3942E4B}">
+                <a14:imgProps xmlns:a14="http://schemas.microsoft.com/office/drawing/2010/main">
+                  <a14:imgLayer r:embed="rId8">
+                    <a14:imgEffect>
+                      <a14:colorTemperature colorTemp="5300"/>
+                    </a14:imgEffect>
+                  </a14:imgLayer>
+                </a14:imgProps>
+              </a:ext>
+              <a:ext uri="{28A0092B-C50C-407E-A947-70E740481C1C}">
+                <a14:useLocalDpi xmlns:a14="http://schemas.microsoft.com/office/drawing/2010/main" val="0"/>
+              </a:ext>
+            </a:extLst>
+          </a:blip>
+          <a:stretch>
+            <a:fillRect/>
+          </a:stretch>
+        </p:blipFill>
+        <p:spPr>
+          <a:xfrm>
+            <a:off x="327676" y="316629"/>
+            <a:ext cx="11507081" cy="413797"/>
+          </a:xfrm>
+          <a:prstGeom prst="rect">
+            <a:avLst/>
+          </a:prstGeom>
+        </p:spPr>
+      </p:pic>
+      <p:sp>
+        <p:nvSpPr>
+          <p:cNvPr id="5" name="Rectangle 4">
+            <a:extLst>
+              <a:ext uri="{FF2B5EF4-FFF2-40B4-BE49-F238E27FC236}">
+                <a16:creationId xmlns:a16="http://schemas.microsoft.com/office/drawing/2014/main" id="{28E65972-FEF9-4249-A070-B891A52227E0}"/>
+              </a:ext>
+            </a:extLst>
+          </p:cNvPr>
+          <p:cNvSpPr/>
+          <p:nvPr/>
+        </p:nvSpPr>
+        <p:spPr>
+          <a:xfrm>
+            <a:off x="1" y="1149147"/>
+            <a:ext cx="12162436" cy="5188192"/>
+          </a:xfrm>
+          <a:prstGeom prst="rect">
+            <a:avLst/>
+          </a:prstGeom>
+          <a:gradFill>
+            <a:gsLst>
+              <a:gs pos="0">
+                <a:srgbClr val="F0451A"/>
+              </a:gs>
+              <a:gs pos="100000">
+                <a:srgbClr val="FC8D07"/>
+              </a:gs>
+            </a:gsLst>
+            <a:lin ang="5400000" scaled="1"/>
+          </a:gradFill>
+          <a:ln>
+            <a:noFill/>
+          </a:ln>
+        </p:spPr>
+        <p:style>
+          <a:lnRef idx="2">
+            <a:schemeClr val="accent1">
+              <a:shade val="50000"/>
+            </a:schemeClr>
+          </a:lnRef>
+          <a:fillRef idx="1">
+            <a:schemeClr val="accent1"/>
+          </a:fillRef>
+          <a:effectRef idx="0">
+            <a:schemeClr val="accent1"/>
+          </a:effectRef>
+          <a:fontRef idx="minor">
+            <a:schemeClr val="lt1"/>
+          </a:fontRef>
+        </p:style>
+        <p:txBody>
+          <a:bodyPr rtlCol="0" anchor="ctr"/>
+          <a:lstStyle/>
+          <a:p>
+            <a:pPr algn="ctr"/>
+            <a:endParaRPr lang="en-NZ" dirty="0"/>
+          </a:p>
+        </p:txBody>
+      </p:sp>
+      <p:sp>
+        <p:nvSpPr>
+          <p:cNvPr id="18" name="Rectangle 23">
+            <a:extLst>
+              <a:ext uri="{FF2B5EF4-FFF2-40B4-BE49-F238E27FC236}">
+                <a16:creationId xmlns:a16="http://schemas.microsoft.com/office/drawing/2014/main" id="{658D1A19-2030-4509-B669-14AB69D2D8B3}"/>
+              </a:ext>
+            </a:extLst>
+          </p:cNvPr>
+          <p:cNvSpPr>
+            <a:spLocks noChangeArrowheads="1"/>
+          </p:cNvSpPr>
+          <p:nvPr/>
+        </p:nvSpPr>
+        <p:spPr bwMode="auto">
+          <a:xfrm>
+            <a:off x="4614054" y="1392033"/>
+            <a:ext cx="2895344" cy="869469"/>
+          </a:xfrm>
+          <a:prstGeom prst="rect">
+            <a:avLst/>
+          </a:prstGeom>
+          <a:noFill/>
+          <a:ln>
+            <a:noFill/>
+          </a:ln>
+          <a:effectLst/>
+          <a:extLst>
+            <a:ext uri="{909E8E84-426E-40DD-AFC4-6F175D3DCCD1}">
+              <a14:hiddenFill xmlns:a14="http://schemas.microsoft.com/office/drawing/2010/main">
+                <a:solidFill>
+                  <a:schemeClr val="accent1"/>
+                </a:solidFill>
+              </a14:hiddenFill>
+            </a:ext>
+            <a:ext uri="{91240B29-F687-4F45-9708-019B960494DF}">
+              <a14:hiddenLine xmlns:a14="http://schemas.microsoft.com/office/drawing/2010/main" w="9525">
+                <a:solidFill>
+                  <a:schemeClr val="tx1"/>
+                </a:solidFill>
+                <a:miter lim="800000"/>
+                <a:headEnd/>
+                <a:tailEnd/>
+              </a14:hiddenLine>
+            </a:ext>
+            <a:ext uri="{AF507438-7753-43E0-B8FC-AC1667EBCBE1}">
+              <a14:hiddenEffects xmlns:a14="http://schemas.microsoft.com/office/drawing/2010/main">
+                <a:effectLst>
+                  <a:outerShdw dist="35921" dir="2700000" algn="ctr" rotWithShape="0">
+                    <a:schemeClr val="bg2"/>
+                  </a:outerShdw>
+                </a:effectLst>
+              </a14:hiddenEffects>
+            </a:ext>
+          </a:extLst>
+        </p:spPr>
+        <p:txBody>
+          <a:bodyPr vert="horz" wrap="none" lIns="91440" tIns="45720" rIns="91440" bIns="45720" numCol="1" anchor="ctr" anchorCtr="0" compatLnSpc="1">
+            <a:prstTxWarp prst="textNoShape">
+              <a:avLst/>
+            </a:prstTxWarp>
+            <a:spAutoFit/>
+          </a:bodyPr>
+          <a:lstStyle>
+            <a:lvl1pPr eaLnBrk="0" fontAlgn="base" hangingPunct="0">
+              <a:spcBef>
+                <a:spcPct val="0"/>
+              </a:spcBef>
+              <a:spcAft>
+                <a:spcPct val="0"/>
+              </a:spcAft>
+              <a:defRPr>
+                <a:solidFill>
+                  <a:schemeClr val="tx1"/>
+                </a:solidFill>
+                <a:latin typeface="Arial" panose="020B0604020202020204" pitchFamily="34" charset="0"/>
+              </a:defRPr>
+            </a:lvl1pPr>
+            <a:lvl2pPr eaLnBrk="0" fontAlgn="base" hangingPunct="0">
+              <a:spcBef>
+                <a:spcPct val="0"/>
+              </a:spcBef>
+              <a:spcAft>
+                <a:spcPct val="0"/>
+              </a:spcAft>
+              <a:defRPr>
+                <a:solidFill>
+                  <a:schemeClr val="tx1"/>
+                </a:solidFill>
+                <a:latin typeface="Arial" panose="020B0604020202020204" pitchFamily="34" charset="0"/>
+              </a:defRPr>
+            </a:lvl2pPr>
+            <a:lvl3pPr eaLnBrk="0" fontAlgn="base" hangingPunct="0">
+              <a:spcBef>
+                <a:spcPct val="0"/>
+              </a:spcBef>
+              <a:spcAft>
+                <a:spcPct val="0"/>
+              </a:spcAft>
+              <a:defRPr>
+                <a:solidFill>
+                  <a:schemeClr val="tx1"/>
+                </a:solidFill>
+                <a:latin typeface="Arial" panose="020B0604020202020204" pitchFamily="34" charset="0"/>
+              </a:defRPr>
+            </a:lvl3pPr>
+            <a:lvl4pPr eaLnBrk="0" fontAlgn="base" hangingPunct="0">
+              <a:spcBef>
+                <a:spcPct val="0"/>
+              </a:spcBef>
+              <a:spcAft>
+                <a:spcPct val="0"/>
+              </a:spcAft>
+              <a:defRPr>
+                <a:solidFill>
+                  <a:schemeClr val="tx1"/>
+                </a:solidFill>
+                <a:latin typeface="Arial" panose="020B0604020202020204" pitchFamily="34" charset="0"/>
+              </a:defRPr>
+            </a:lvl4pPr>
+            <a:lvl5pPr eaLnBrk="0" fontAlgn="base" hangingPunct="0">
+              <a:spcBef>
+                <a:spcPct val="0"/>
+              </a:spcBef>
+              <a:spcAft>
+                <a:spcPct val="0"/>
+              </a:spcAft>
+              <a:defRPr>
+                <a:solidFill>
+                  <a:schemeClr val="tx1"/>
+                </a:solidFill>
+                <a:latin typeface="Arial" panose="020B0604020202020204" pitchFamily="34" charset="0"/>
+              </a:defRPr>
+            </a:lvl5pPr>
+            <a:lvl6pPr eaLnBrk="0" fontAlgn="base" hangingPunct="0">
+              <a:spcBef>
+                <a:spcPct val="0"/>
+              </a:spcBef>
+              <a:spcAft>
+                <a:spcPct val="0"/>
+              </a:spcAft>
+              <a:defRPr>
+                <a:solidFill>
+                  <a:schemeClr val="tx1"/>
+                </a:solidFill>
+                <a:latin typeface="Arial" panose="020B0604020202020204" pitchFamily="34" charset="0"/>
+              </a:defRPr>
+            </a:lvl6pPr>
+            <a:lvl7pPr eaLnBrk="0" fontAlgn="base" hangingPunct="0">
+              <a:spcBef>
+                <a:spcPct val="0"/>
+              </a:spcBef>
+              <a:spcAft>
+                <a:spcPct val="0"/>
+              </a:spcAft>
+              <a:defRPr>
+                <a:solidFill>
+                  <a:schemeClr val="tx1"/>
+                </a:solidFill>
+                <a:latin typeface="Arial" panose="020B0604020202020204" pitchFamily="34" charset="0"/>
+              </a:defRPr>
+            </a:lvl7pPr>
+            <a:lvl8pPr eaLnBrk="0" fontAlgn="base" hangingPunct="0">
+              <a:spcBef>
+                <a:spcPct val="0"/>
+              </a:spcBef>
+              <a:spcAft>
+                <a:spcPct val="0"/>
+              </a:spcAft>
+              <a:defRPr>
+                <a:solidFill>
+                  <a:schemeClr val="tx1"/>
+                </a:solidFill>
+                <a:latin typeface="Arial" panose="020B0604020202020204" pitchFamily="34" charset="0"/>
+              </a:defRPr>
+            </a:lvl8pPr>
+            <a:lvl9pPr eaLnBrk="0" fontAlgn="base" hangingPunct="0">
+              <a:spcBef>
+                <a:spcPct val="0"/>
+              </a:spcBef>
+              <a:spcAft>
+                <a:spcPct val="0"/>
+              </a:spcAft>
+              <a:defRPr>
+                <a:solidFill>
+                  <a:schemeClr val="tx1"/>
+                </a:solidFill>
+                <a:latin typeface="Arial" panose="020B0604020202020204" pitchFamily="34" charset="0"/>
+              </a:defRPr>
+            </a:lvl9pPr>
+          </a:lstStyle>
+          <a:p>
+            <a:pPr marL="0" marR="0" lvl="0" indent="0" algn="ctr" defTabSz="914400" rtl="0" eaLnBrk="0" fontAlgn="base" latinLnBrk="0" hangingPunct="0">
+              <a:lnSpc>
+                <a:spcPct val="100000"/>
+              </a:lnSpc>
+              <a:spcBef>
+                <a:spcPct val="0"/>
+              </a:spcBef>
+              <a:spcAft>
+                <a:spcPct val="0"/>
+              </a:spcAft>
+              <a:buClrTx/>
+              <a:buSzTx/>
+              <a:buFontTx/>
+              <a:buNone/>
+              <a:tabLst/>
+            </a:pPr>
+            <a:r>
+              <a:rPr lang="en-US" altLang="en-US" sz="4000" b="1" dirty="0">
+                <a:solidFill>
+                  <a:srgbClr val="FFFFFF"/>
+                </a:solidFill>
+                <a:latin typeface="Verdana" panose="020B0604030504040204" pitchFamily="34" charset="0"/>
+                <a:ea typeface="Verdana" panose="020B0604030504040204" pitchFamily="34" charset="0"/>
+              </a:rPr>
+              <a:t>About Me</a:t>
+            </a:r>
+            <a:br>
+              <a:rPr kumimoji="0" lang="en-US" altLang="en-US" sz="600" b="0" i="0" u="none" strike="noStrike" cap="none" normalizeH="0" baseline="0" dirty="0">
+                <a:ln>
+                  <a:noFill/>
+                </a:ln>
+                <a:solidFill>
+                  <a:srgbClr val="FFFFFF"/>
+                </a:solidFill>
+                <a:effectLst/>
+                <a:latin typeface="Verdana" panose="020B0604030504040204" pitchFamily="34" charset="0"/>
+              </a:rPr>
+            </a:br>
+            <a:endParaRPr kumimoji="0" lang="en-US" altLang="en-US" sz="1000" b="0" i="0" u="none" strike="noStrike" cap="none" normalizeH="0" baseline="0" dirty="0">
+              <a:ln>
+                <a:noFill/>
+              </a:ln>
+              <a:solidFill>
+                <a:schemeClr val="tx1"/>
+              </a:solidFill>
+              <a:effectLst/>
+              <a:latin typeface="Arial" panose="020B0604020202020204" pitchFamily="34" charset="0"/>
+            </a:endParaRPr>
+          </a:p>
+        </p:txBody>
+      </p:sp>
+      <p:sp>
+        <p:nvSpPr>
+          <p:cNvPr id="21" name="Rectangle 25">
+            <a:extLst>
+              <a:ext uri="{FF2B5EF4-FFF2-40B4-BE49-F238E27FC236}">
+                <a16:creationId xmlns:a16="http://schemas.microsoft.com/office/drawing/2014/main" id="{6F8C99C5-01B0-47A0-AB0A-7FC665403B4A}"/>
+              </a:ext>
+            </a:extLst>
+          </p:cNvPr>
+          <p:cNvSpPr>
+            <a:spLocks noChangeArrowheads="1"/>
+          </p:cNvSpPr>
+          <p:nvPr/>
+        </p:nvSpPr>
+        <p:spPr bwMode="auto">
+          <a:xfrm>
+            <a:off x="1248657" y="2142817"/>
+            <a:ext cx="10219443" cy="2031325"/>
+          </a:xfrm>
+          <a:prstGeom prst="rect">
+            <a:avLst/>
+          </a:prstGeom>
+          <a:noFill/>
+          <a:ln>
+            <a:noFill/>
+          </a:ln>
+          <a:effectLst/>
+          <a:extLst>
+            <a:ext uri="{909E8E84-426E-40DD-AFC4-6F175D3DCCD1}">
+              <a14:hiddenFill xmlns:a14="http://schemas.microsoft.com/office/drawing/2010/main">
+                <a:solidFill>
+                  <a:schemeClr val="accent1"/>
+                </a:solidFill>
+              </a14:hiddenFill>
+            </a:ext>
+            <a:ext uri="{91240B29-F687-4F45-9708-019B960494DF}">
+              <a14:hiddenLine xmlns:a14="http://schemas.microsoft.com/office/drawing/2010/main" w="9525">
+                <a:solidFill>
+                  <a:schemeClr val="tx1"/>
+                </a:solidFill>
+                <a:miter lim="800000"/>
+                <a:headEnd/>
+                <a:tailEnd/>
+              </a14:hiddenLine>
+            </a:ext>
+            <a:ext uri="{AF507438-7753-43E0-B8FC-AC1667EBCBE1}">
+              <a14:hiddenEffects xmlns:a14="http://schemas.microsoft.com/office/drawing/2010/main">
+                <a:effectLst>
+                  <a:outerShdw dist="35921" dir="2700000" algn="ctr" rotWithShape="0">
+                    <a:schemeClr val="bg2"/>
+                  </a:outerShdw>
+                </a:effectLst>
+              </a14:hiddenEffects>
+            </a:ext>
+          </a:extLst>
+        </p:spPr>
+        <p:txBody>
+          <a:bodyPr vert="horz" wrap="square" lIns="91440" tIns="45720" rIns="91440" bIns="45720" numCol="1" anchor="ctr" anchorCtr="0" compatLnSpc="1">
+            <a:prstTxWarp prst="textNoShape">
+              <a:avLst/>
+            </a:prstTxWarp>
+            <a:spAutoFit/>
+          </a:bodyPr>
+          <a:lstStyle/>
+          <a:p>
+            <a:pPr marL="0" marR="0" lvl="0" indent="0" algn="l" defTabSz="914400" rtl="0" eaLnBrk="0" fontAlgn="base" latinLnBrk="0" hangingPunct="0">
+              <a:lnSpc>
+                <a:spcPct val="100000"/>
+              </a:lnSpc>
+              <a:spcBef>
+                <a:spcPct val="0"/>
+              </a:spcBef>
+              <a:spcAft>
+                <a:spcPct val="0"/>
+              </a:spcAft>
+              <a:buClrTx/>
+              <a:buSzTx/>
+              <a:buFontTx/>
+              <a:buNone/>
+              <a:tabLst/>
+            </a:pPr>
+            <a:r>
+              <a:rPr kumimoji="0" lang="en-US" altLang="en-US" sz="1800" u="none" strike="noStrike" cap="none" normalizeH="0" baseline="0" dirty="0">
+                <a:ln>
+                  <a:noFill/>
+                </a:ln>
+                <a:solidFill>
+                  <a:srgbClr val="FFFFFF"/>
+                </a:solidFill>
+                <a:effectLst/>
+                <a:latin typeface="Verdana" panose="020B0604030504040204" pitchFamily="34" charset="0"/>
+              </a:rPr>
+              <a:t>Lorem ipsum dolor sit </a:t>
+            </a:r>
+            <a:r>
+              <a:rPr kumimoji="0" lang="en-US" altLang="en-US" sz="1800" u="none" strike="noStrike" cap="none" normalizeH="0" baseline="0" dirty="0" err="1">
+                <a:ln>
+                  <a:noFill/>
+                </a:ln>
+                <a:solidFill>
+                  <a:srgbClr val="FFFFFF"/>
+                </a:solidFill>
+                <a:effectLst/>
+                <a:latin typeface="Verdana" panose="020B0604030504040204" pitchFamily="34" charset="0"/>
+              </a:rPr>
+              <a:t>amet</a:t>
+            </a:r>
+            <a:r>
+              <a:rPr kumimoji="0" lang="en-US" altLang="en-US" sz="1800" u="none" strike="noStrike" cap="none" normalizeH="0" baseline="0" dirty="0">
+                <a:ln>
+                  <a:noFill/>
+                </a:ln>
+                <a:solidFill>
+                  <a:srgbClr val="FFFFFF"/>
+                </a:solidFill>
+                <a:effectLst/>
+                <a:latin typeface="Verdana" panose="020B0604030504040204" pitchFamily="34" charset="0"/>
+              </a:rPr>
+              <a:t>, </a:t>
+            </a:r>
+            <a:r>
+              <a:rPr kumimoji="0" lang="en-US" altLang="en-US" sz="1800" u="none" strike="noStrike" cap="none" normalizeH="0" baseline="0" dirty="0" err="1">
+                <a:ln>
+                  <a:noFill/>
+                </a:ln>
+                <a:solidFill>
+                  <a:srgbClr val="FFFFFF"/>
+                </a:solidFill>
+                <a:effectLst/>
+                <a:latin typeface="Verdana" panose="020B0604030504040204" pitchFamily="34" charset="0"/>
+              </a:rPr>
+              <a:t>consectetur</a:t>
+            </a:r>
+            <a:r>
+              <a:rPr kumimoji="0" lang="en-US" altLang="en-US" sz="1800" u="none" strike="noStrike" cap="none" normalizeH="0" baseline="0" dirty="0">
+                <a:ln>
+                  <a:noFill/>
+                </a:ln>
+                <a:solidFill>
+                  <a:srgbClr val="FFFFFF"/>
+                </a:solidFill>
+                <a:effectLst/>
+                <a:latin typeface="Verdana" panose="020B0604030504040204" pitchFamily="34" charset="0"/>
+              </a:rPr>
+              <a:t> </a:t>
+            </a:r>
+            <a:r>
+              <a:rPr kumimoji="0" lang="en-US" altLang="en-US" sz="1800" u="none" strike="noStrike" cap="none" normalizeH="0" baseline="0" dirty="0" err="1">
+                <a:ln>
+                  <a:noFill/>
+                </a:ln>
+                <a:solidFill>
+                  <a:srgbClr val="FFFFFF"/>
+                </a:solidFill>
+                <a:effectLst/>
+                <a:latin typeface="Verdana" panose="020B0604030504040204" pitchFamily="34" charset="0"/>
+              </a:rPr>
+              <a:t>adipiscing</a:t>
+            </a:r>
+            <a:r>
+              <a:rPr kumimoji="0" lang="en-US" altLang="en-US" sz="1800" u="none" strike="noStrike" cap="none" normalizeH="0" baseline="0" dirty="0">
+                <a:ln>
+                  <a:noFill/>
+                </a:ln>
+                <a:solidFill>
+                  <a:srgbClr val="FFFFFF"/>
+                </a:solidFill>
+                <a:effectLst/>
+                <a:latin typeface="Verdana" panose="020B0604030504040204" pitchFamily="34" charset="0"/>
+              </a:rPr>
+              <a:t> </a:t>
+            </a:r>
+            <a:r>
+              <a:rPr kumimoji="0" lang="en-US" altLang="en-US" sz="1800" u="none" strike="noStrike" cap="none" normalizeH="0" baseline="0" dirty="0" err="1">
+                <a:ln>
+                  <a:noFill/>
+                </a:ln>
+                <a:solidFill>
+                  <a:srgbClr val="FFFFFF"/>
+                </a:solidFill>
+                <a:effectLst/>
+                <a:latin typeface="Verdana" panose="020B0604030504040204" pitchFamily="34" charset="0"/>
+              </a:rPr>
+              <a:t>elit</a:t>
+            </a:r>
+            <a:r>
+              <a:rPr kumimoji="0" lang="en-US" altLang="en-US" sz="1800" u="none" strike="noStrike" cap="none" normalizeH="0" baseline="0" dirty="0">
+                <a:ln>
+                  <a:noFill/>
+                </a:ln>
+                <a:solidFill>
+                  <a:srgbClr val="FFFFFF"/>
+                </a:solidFill>
+                <a:effectLst/>
+                <a:latin typeface="Verdana" panose="020B0604030504040204" pitchFamily="34" charset="0"/>
+              </a:rPr>
+              <a:t>, sed do </a:t>
+            </a:r>
+            <a:r>
+              <a:rPr kumimoji="0" lang="en-US" altLang="en-US" sz="1800" u="none" strike="noStrike" cap="none" normalizeH="0" baseline="0" dirty="0" err="1">
+                <a:ln>
+                  <a:noFill/>
+                </a:ln>
+                <a:solidFill>
+                  <a:srgbClr val="FFFFFF"/>
+                </a:solidFill>
+                <a:effectLst/>
+                <a:latin typeface="Verdana" panose="020B0604030504040204" pitchFamily="34" charset="0"/>
+              </a:rPr>
+              <a:t>eiusmod</a:t>
+            </a:r>
+            <a:r>
+              <a:rPr kumimoji="0" lang="en-US" altLang="en-US" sz="1800" u="none" strike="noStrike" cap="none" normalizeH="0" baseline="0" dirty="0">
+                <a:ln>
+                  <a:noFill/>
+                </a:ln>
+                <a:solidFill>
+                  <a:srgbClr val="FFFFFF"/>
+                </a:solidFill>
+                <a:effectLst/>
+                <a:latin typeface="Verdana" panose="020B0604030504040204" pitchFamily="34" charset="0"/>
+              </a:rPr>
+              <a:t> </a:t>
+            </a:r>
+            <a:r>
+              <a:rPr kumimoji="0" lang="en-US" altLang="en-US" sz="1800" u="none" strike="noStrike" cap="none" normalizeH="0" baseline="0" dirty="0" err="1">
+                <a:ln>
+                  <a:noFill/>
+                </a:ln>
+                <a:solidFill>
+                  <a:srgbClr val="FFFFFF"/>
+                </a:solidFill>
+                <a:effectLst/>
+                <a:latin typeface="Verdana" panose="020B0604030504040204" pitchFamily="34" charset="0"/>
+              </a:rPr>
+              <a:t>tempor</a:t>
+            </a:r>
+            <a:r>
+              <a:rPr kumimoji="0" lang="en-US" altLang="en-US" sz="1800" u="none" strike="noStrike" cap="none" normalizeH="0" baseline="0" dirty="0">
+                <a:ln>
+                  <a:noFill/>
+                </a:ln>
+                <a:solidFill>
+                  <a:srgbClr val="FFFFFF"/>
+                </a:solidFill>
+                <a:effectLst/>
+                <a:latin typeface="Verdana" panose="020B0604030504040204" pitchFamily="34" charset="0"/>
+              </a:rPr>
+              <a:t> </a:t>
+            </a:r>
+            <a:r>
+              <a:rPr kumimoji="0" lang="en-US" altLang="en-US" sz="1800" u="none" strike="noStrike" cap="none" normalizeH="0" baseline="0" dirty="0" err="1">
+                <a:ln>
+                  <a:noFill/>
+                </a:ln>
+                <a:solidFill>
+                  <a:srgbClr val="FFFFFF"/>
+                </a:solidFill>
+                <a:effectLst/>
+                <a:latin typeface="Verdana" panose="020B0604030504040204" pitchFamily="34" charset="0"/>
+              </a:rPr>
+              <a:t>incididunt</a:t>
+            </a:r>
+            <a:r>
+              <a:rPr kumimoji="0" lang="en-US" altLang="en-US" sz="1800" u="none" strike="noStrike" cap="none" normalizeH="0" baseline="0" dirty="0">
+                <a:ln>
+                  <a:noFill/>
+                </a:ln>
+                <a:solidFill>
+                  <a:srgbClr val="FFFFFF"/>
+                </a:solidFill>
+                <a:effectLst/>
+                <a:latin typeface="Verdana" panose="020B0604030504040204" pitchFamily="34" charset="0"/>
+              </a:rPr>
+              <a:t> </a:t>
+            </a:r>
+            <a:r>
+              <a:rPr kumimoji="0" lang="en-US" altLang="en-US" sz="1800" u="none" strike="noStrike" cap="none" normalizeH="0" baseline="0" dirty="0" err="1">
+                <a:ln>
+                  <a:noFill/>
+                </a:ln>
+                <a:solidFill>
+                  <a:srgbClr val="FFFFFF"/>
+                </a:solidFill>
+                <a:effectLst/>
+                <a:latin typeface="Verdana" panose="020B0604030504040204" pitchFamily="34" charset="0"/>
+              </a:rPr>
+              <a:t>ut</a:t>
+            </a:r>
+            <a:r>
+              <a:rPr kumimoji="0" lang="en-US" altLang="en-US" sz="1800" u="none" strike="noStrike" cap="none" normalizeH="0" baseline="0" dirty="0">
+                <a:ln>
+                  <a:noFill/>
+                </a:ln>
+                <a:solidFill>
+                  <a:srgbClr val="FFFFFF"/>
+                </a:solidFill>
+                <a:effectLst/>
+                <a:latin typeface="Verdana" panose="020B0604030504040204" pitchFamily="34" charset="0"/>
+              </a:rPr>
+              <a:t> labore et dolore magna </a:t>
+            </a:r>
+            <a:r>
+              <a:rPr kumimoji="0" lang="en-US" altLang="en-US" sz="1800" u="none" strike="noStrike" cap="none" normalizeH="0" baseline="0" dirty="0" err="1">
+                <a:ln>
+                  <a:noFill/>
+                </a:ln>
+                <a:solidFill>
+                  <a:srgbClr val="FFFFFF"/>
+                </a:solidFill>
+                <a:effectLst/>
+                <a:latin typeface="Verdana" panose="020B0604030504040204" pitchFamily="34" charset="0"/>
+              </a:rPr>
+              <a:t>aliqua</a:t>
+            </a:r>
+            <a:r>
+              <a:rPr kumimoji="0" lang="en-US" altLang="en-US" sz="1800" u="none" strike="noStrike" cap="none" normalizeH="0" baseline="0" dirty="0">
+                <a:ln>
+                  <a:noFill/>
+                </a:ln>
+                <a:solidFill>
+                  <a:srgbClr val="FFFFFF"/>
+                </a:solidFill>
+                <a:effectLst/>
+                <a:latin typeface="Verdana" panose="020B0604030504040204" pitchFamily="34" charset="0"/>
+              </a:rPr>
+              <a:t>. Ut </a:t>
+            </a:r>
+            <a:r>
+              <a:rPr kumimoji="0" lang="en-US" altLang="en-US" sz="1800" u="none" strike="noStrike" cap="none" normalizeH="0" baseline="0" dirty="0" err="1">
+                <a:ln>
+                  <a:noFill/>
+                </a:ln>
+                <a:solidFill>
+                  <a:srgbClr val="FFFFFF"/>
+                </a:solidFill>
+                <a:effectLst/>
+                <a:latin typeface="Verdana" panose="020B0604030504040204" pitchFamily="34" charset="0"/>
+              </a:rPr>
+              <a:t>enim</a:t>
+            </a:r>
+            <a:r>
+              <a:rPr kumimoji="0" lang="en-US" altLang="en-US" sz="1800" u="none" strike="noStrike" cap="none" normalizeH="0" baseline="0" dirty="0">
+                <a:ln>
+                  <a:noFill/>
+                </a:ln>
+                <a:solidFill>
+                  <a:srgbClr val="FFFFFF"/>
+                </a:solidFill>
+                <a:effectLst/>
+                <a:latin typeface="Verdana" panose="020B0604030504040204" pitchFamily="34" charset="0"/>
+              </a:rPr>
+              <a:t> ad minim </a:t>
+            </a:r>
+            <a:r>
+              <a:rPr kumimoji="0" lang="en-US" altLang="en-US" sz="1800" u="none" strike="noStrike" cap="none" normalizeH="0" baseline="0" dirty="0" err="1">
+                <a:ln>
+                  <a:noFill/>
+                </a:ln>
+                <a:solidFill>
+                  <a:srgbClr val="FFFFFF"/>
+                </a:solidFill>
+                <a:effectLst/>
+                <a:latin typeface="Verdana" panose="020B0604030504040204" pitchFamily="34" charset="0"/>
+              </a:rPr>
+              <a:t>veniam</a:t>
+            </a:r>
+            <a:r>
+              <a:rPr kumimoji="0" lang="en-US" altLang="en-US" sz="1800" u="none" strike="noStrike" cap="none" normalizeH="0" baseline="0" dirty="0">
+                <a:ln>
+                  <a:noFill/>
+                </a:ln>
+                <a:solidFill>
+                  <a:srgbClr val="FFFFFF"/>
+                </a:solidFill>
+                <a:effectLst/>
+                <a:latin typeface="Verdana" panose="020B0604030504040204" pitchFamily="34" charset="0"/>
+              </a:rPr>
+              <a:t>, </a:t>
+            </a:r>
+            <a:r>
+              <a:rPr kumimoji="0" lang="en-US" altLang="en-US" sz="1800" u="none" strike="noStrike" cap="none" normalizeH="0" baseline="0" dirty="0" err="1">
+                <a:ln>
+                  <a:noFill/>
+                </a:ln>
+                <a:solidFill>
+                  <a:srgbClr val="FFFFFF"/>
+                </a:solidFill>
+                <a:effectLst/>
+                <a:latin typeface="Verdana" panose="020B0604030504040204" pitchFamily="34" charset="0"/>
+              </a:rPr>
+              <a:t>quis</a:t>
+            </a:r>
+            <a:r>
+              <a:rPr kumimoji="0" lang="en-US" altLang="en-US" sz="1800" u="none" strike="noStrike" cap="none" normalizeH="0" baseline="0" dirty="0">
+                <a:ln>
+                  <a:noFill/>
+                </a:ln>
+                <a:solidFill>
+                  <a:srgbClr val="FFFFFF"/>
+                </a:solidFill>
+                <a:effectLst/>
+                <a:latin typeface="Verdana" panose="020B0604030504040204" pitchFamily="34" charset="0"/>
+              </a:rPr>
+              <a:t> </a:t>
+            </a:r>
+            <a:r>
+              <a:rPr kumimoji="0" lang="en-US" altLang="en-US" sz="1800" u="none" strike="noStrike" cap="none" normalizeH="0" baseline="0" dirty="0" err="1">
+                <a:ln>
+                  <a:noFill/>
+                </a:ln>
+                <a:solidFill>
+                  <a:srgbClr val="FFFFFF"/>
+                </a:solidFill>
+                <a:effectLst/>
+                <a:latin typeface="Verdana" panose="020B0604030504040204" pitchFamily="34" charset="0"/>
+              </a:rPr>
+              <a:t>nostrud</a:t>
+            </a:r>
+            <a:r>
+              <a:rPr kumimoji="0" lang="en-US" altLang="en-US" sz="1800" u="none" strike="noStrike" cap="none" normalizeH="0" baseline="0" dirty="0">
+                <a:ln>
+                  <a:noFill/>
+                </a:ln>
+                <a:solidFill>
+                  <a:srgbClr val="FFFFFF"/>
+                </a:solidFill>
+                <a:effectLst/>
+                <a:latin typeface="Verdana" panose="020B0604030504040204" pitchFamily="34" charset="0"/>
+              </a:rPr>
+              <a:t> exercitation </a:t>
+            </a:r>
+            <a:r>
+              <a:rPr kumimoji="0" lang="en-US" altLang="en-US" sz="1800" u="none" strike="noStrike" cap="none" normalizeH="0" baseline="0" dirty="0" err="1">
+                <a:ln>
+                  <a:noFill/>
+                </a:ln>
+                <a:solidFill>
+                  <a:srgbClr val="FFFFFF"/>
+                </a:solidFill>
+                <a:effectLst/>
+                <a:latin typeface="Verdana" panose="020B0604030504040204" pitchFamily="34" charset="0"/>
+              </a:rPr>
+              <a:t>ullamco</a:t>
+            </a:r>
+            <a:r>
+              <a:rPr kumimoji="0" lang="en-US" altLang="en-US" sz="1800" u="none" strike="noStrike" cap="none" normalizeH="0" baseline="0" dirty="0">
+                <a:ln>
+                  <a:noFill/>
+                </a:ln>
+                <a:solidFill>
+                  <a:srgbClr val="FFFFFF"/>
+                </a:solidFill>
+                <a:effectLst/>
+                <a:latin typeface="Verdana" panose="020B0604030504040204" pitchFamily="34" charset="0"/>
+              </a:rPr>
+              <a:t> </a:t>
+            </a:r>
+            <a:r>
+              <a:rPr kumimoji="0" lang="en-US" altLang="en-US" sz="1800" u="none" strike="noStrike" cap="none" normalizeH="0" baseline="0" dirty="0" err="1">
+                <a:ln>
+                  <a:noFill/>
+                </a:ln>
+                <a:solidFill>
+                  <a:srgbClr val="FFFFFF"/>
+                </a:solidFill>
+                <a:effectLst/>
+                <a:latin typeface="Verdana" panose="020B0604030504040204" pitchFamily="34" charset="0"/>
+              </a:rPr>
+              <a:t>laboris</a:t>
+            </a:r>
+            <a:r>
+              <a:rPr kumimoji="0" lang="en-US" altLang="en-US" sz="1800" u="none" strike="noStrike" cap="none" normalizeH="0" baseline="0" dirty="0">
+                <a:ln>
+                  <a:noFill/>
+                </a:ln>
+                <a:solidFill>
+                  <a:srgbClr val="FFFFFF"/>
+                </a:solidFill>
+                <a:effectLst/>
+                <a:latin typeface="Verdana" panose="020B0604030504040204" pitchFamily="34" charset="0"/>
+              </a:rPr>
+              <a:t> nisi </a:t>
+            </a:r>
+            <a:r>
+              <a:rPr kumimoji="0" lang="en-US" altLang="en-US" sz="1800" u="none" strike="noStrike" cap="none" normalizeH="0" baseline="0" dirty="0" err="1">
+                <a:ln>
+                  <a:noFill/>
+                </a:ln>
+                <a:solidFill>
+                  <a:srgbClr val="FFFFFF"/>
+                </a:solidFill>
+                <a:effectLst/>
+                <a:latin typeface="Verdana" panose="020B0604030504040204" pitchFamily="34" charset="0"/>
+              </a:rPr>
+              <a:t>ut</a:t>
+            </a:r>
+            <a:r>
+              <a:rPr kumimoji="0" lang="en-US" altLang="en-US" sz="1800" u="none" strike="noStrike" cap="none" normalizeH="0" baseline="0" dirty="0">
+                <a:ln>
+                  <a:noFill/>
+                </a:ln>
+                <a:solidFill>
+                  <a:srgbClr val="FFFFFF"/>
+                </a:solidFill>
+                <a:effectLst/>
+                <a:latin typeface="Verdana" panose="020B0604030504040204" pitchFamily="34" charset="0"/>
+              </a:rPr>
+              <a:t> </a:t>
+            </a:r>
+            <a:r>
+              <a:rPr kumimoji="0" lang="en-US" altLang="en-US" sz="1800" u="none" strike="noStrike" cap="none" normalizeH="0" baseline="0" dirty="0" err="1">
+                <a:ln>
+                  <a:noFill/>
+                </a:ln>
+                <a:solidFill>
+                  <a:srgbClr val="FFFFFF"/>
+                </a:solidFill>
+                <a:effectLst/>
+                <a:latin typeface="Verdana" panose="020B0604030504040204" pitchFamily="34" charset="0"/>
+              </a:rPr>
+              <a:t>aliquip</a:t>
+            </a:r>
+            <a:r>
+              <a:rPr kumimoji="0" lang="en-US" altLang="en-US" sz="1800" u="none" strike="noStrike" cap="none" normalizeH="0" baseline="0" dirty="0">
+                <a:ln>
+                  <a:noFill/>
+                </a:ln>
+                <a:solidFill>
+                  <a:srgbClr val="FFFFFF"/>
+                </a:solidFill>
+                <a:effectLst/>
+                <a:latin typeface="Verdana" panose="020B0604030504040204" pitchFamily="34" charset="0"/>
+              </a:rPr>
+              <a:t> ex </a:t>
+            </a:r>
+            <a:r>
+              <a:rPr kumimoji="0" lang="en-US" altLang="en-US" sz="1800" u="none" strike="noStrike" cap="none" normalizeH="0" baseline="0" dirty="0" err="1">
+                <a:ln>
+                  <a:noFill/>
+                </a:ln>
+                <a:solidFill>
+                  <a:srgbClr val="FFFFFF"/>
+                </a:solidFill>
+                <a:effectLst/>
+                <a:latin typeface="Verdana" panose="020B0604030504040204" pitchFamily="34" charset="0"/>
+              </a:rPr>
+              <a:t>ea</a:t>
+            </a:r>
+            <a:r>
+              <a:rPr kumimoji="0" lang="en-US" altLang="en-US" sz="1800" u="none" strike="noStrike" cap="none" normalizeH="0" baseline="0" dirty="0">
+                <a:ln>
+                  <a:noFill/>
+                </a:ln>
+                <a:solidFill>
+                  <a:srgbClr val="FFFFFF"/>
+                </a:solidFill>
+                <a:effectLst/>
+                <a:latin typeface="Verdana" panose="020B0604030504040204" pitchFamily="34" charset="0"/>
+              </a:rPr>
+              <a:t> </a:t>
+            </a:r>
+            <a:r>
+              <a:rPr kumimoji="0" lang="en-US" altLang="en-US" sz="1800" u="none" strike="noStrike" cap="none" normalizeH="0" baseline="0" dirty="0" err="1">
+                <a:ln>
+                  <a:noFill/>
+                </a:ln>
+                <a:solidFill>
+                  <a:srgbClr val="FFFFFF"/>
+                </a:solidFill>
+                <a:effectLst/>
+                <a:latin typeface="Verdana" panose="020B0604030504040204" pitchFamily="34" charset="0"/>
+              </a:rPr>
+              <a:t>commodo</a:t>
+            </a:r>
+            <a:r>
+              <a:rPr kumimoji="0" lang="en-US" altLang="en-US" sz="1800" u="none" strike="noStrike" cap="none" normalizeH="0" baseline="0" dirty="0">
+                <a:ln>
+                  <a:noFill/>
+                </a:ln>
+                <a:solidFill>
+                  <a:srgbClr val="FFFFFF"/>
+                </a:solidFill>
+                <a:effectLst/>
+                <a:latin typeface="Verdana" panose="020B0604030504040204" pitchFamily="34" charset="0"/>
+              </a:rPr>
+              <a:t> </a:t>
+            </a:r>
+            <a:r>
+              <a:rPr kumimoji="0" lang="en-US" altLang="en-US" sz="1800" u="none" strike="noStrike" cap="none" normalizeH="0" baseline="0" dirty="0" err="1">
+                <a:ln>
+                  <a:noFill/>
+                </a:ln>
+                <a:solidFill>
+                  <a:srgbClr val="FFFFFF"/>
+                </a:solidFill>
+                <a:effectLst/>
+                <a:latin typeface="Verdana" panose="020B0604030504040204" pitchFamily="34" charset="0"/>
+              </a:rPr>
+              <a:t>consequat</a:t>
+            </a:r>
+            <a:r>
+              <a:rPr kumimoji="0" lang="en-US" altLang="en-US" sz="1800" u="none" strike="noStrike" cap="none" normalizeH="0" baseline="0" dirty="0">
+                <a:ln>
+                  <a:noFill/>
+                </a:ln>
+                <a:solidFill>
+                  <a:srgbClr val="FFFFFF"/>
+                </a:solidFill>
+                <a:effectLst/>
+                <a:latin typeface="Verdana" panose="020B0604030504040204" pitchFamily="34" charset="0"/>
+              </a:rPr>
+              <a:t>. Duis </a:t>
+            </a:r>
+            <a:r>
+              <a:rPr kumimoji="0" lang="en-US" altLang="en-US" sz="1800" u="none" strike="noStrike" cap="none" normalizeH="0" baseline="0" dirty="0" err="1">
+                <a:ln>
+                  <a:noFill/>
+                </a:ln>
+                <a:solidFill>
+                  <a:srgbClr val="FFFFFF"/>
+                </a:solidFill>
+                <a:effectLst/>
+                <a:latin typeface="Verdana" panose="020B0604030504040204" pitchFamily="34" charset="0"/>
+              </a:rPr>
+              <a:t>aute</a:t>
+            </a:r>
+            <a:r>
+              <a:rPr kumimoji="0" lang="en-US" altLang="en-US" sz="1800" u="none" strike="noStrike" cap="none" normalizeH="0" baseline="0" dirty="0">
+                <a:ln>
+                  <a:noFill/>
+                </a:ln>
+                <a:solidFill>
+                  <a:srgbClr val="FFFFFF"/>
+                </a:solidFill>
+                <a:effectLst/>
+                <a:latin typeface="Verdana" panose="020B0604030504040204" pitchFamily="34" charset="0"/>
+              </a:rPr>
+              <a:t> </a:t>
+            </a:r>
+            <a:r>
+              <a:rPr kumimoji="0" lang="en-US" altLang="en-US" sz="1800" u="none" strike="noStrike" cap="none" normalizeH="0" baseline="0" dirty="0" err="1">
+                <a:ln>
+                  <a:noFill/>
+                </a:ln>
+                <a:solidFill>
+                  <a:srgbClr val="FFFFFF"/>
+                </a:solidFill>
+                <a:effectLst/>
+                <a:latin typeface="Verdana" panose="020B0604030504040204" pitchFamily="34" charset="0"/>
+              </a:rPr>
+              <a:t>irure</a:t>
+            </a:r>
+            <a:r>
+              <a:rPr kumimoji="0" lang="en-US" altLang="en-US" sz="1800" u="none" strike="noStrike" cap="none" normalizeH="0" baseline="0" dirty="0">
+                <a:ln>
+                  <a:noFill/>
+                </a:ln>
+                <a:solidFill>
+                  <a:srgbClr val="FFFFFF"/>
+                </a:solidFill>
+                <a:effectLst/>
+                <a:latin typeface="Verdana" panose="020B0604030504040204" pitchFamily="34" charset="0"/>
+              </a:rPr>
+              <a:t> dolor in </a:t>
+            </a:r>
+            <a:r>
+              <a:rPr kumimoji="0" lang="en-US" altLang="en-US" sz="1800" u="none" strike="noStrike" cap="none" normalizeH="0" baseline="0" dirty="0" err="1">
+                <a:ln>
+                  <a:noFill/>
+                </a:ln>
+                <a:solidFill>
+                  <a:srgbClr val="FFFFFF"/>
+                </a:solidFill>
+                <a:effectLst/>
+                <a:latin typeface="Verdana" panose="020B0604030504040204" pitchFamily="34" charset="0"/>
+              </a:rPr>
+              <a:t>reprehenderit</a:t>
+            </a:r>
+            <a:r>
+              <a:rPr kumimoji="0" lang="en-US" altLang="en-US" sz="1800" u="none" strike="noStrike" cap="none" normalizeH="0" baseline="0" dirty="0">
+                <a:ln>
+                  <a:noFill/>
+                </a:ln>
+                <a:solidFill>
+                  <a:srgbClr val="FFFFFF"/>
+                </a:solidFill>
+                <a:effectLst/>
+                <a:latin typeface="Verdana" panose="020B0604030504040204" pitchFamily="34" charset="0"/>
+              </a:rPr>
+              <a:t> in </a:t>
+            </a:r>
+            <a:r>
+              <a:rPr kumimoji="0" lang="en-US" altLang="en-US" sz="1800" u="none" strike="noStrike" cap="none" normalizeH="0" baseline="0" dirty="0" err="1">
+                <a:ln>
+                  <a:noFill/>
+                </a:ln>
+                <a:solidFill>
+                  <a:srgbClr val="FFFFFF"/>
+                </a:solidFill>
+                <a:effectLst/>
+                <a:latin typeface="Verdana" panose="020B0604030504040204" pitchFamily="34" charset="0"/>
+              </a:rPr>
+              <a:t>voluptate</a:t>
+            </a:r>
+            <a:r>
+              <a:rPr kumimoji="0" lang="en-US" altLang="en-US" sz="1800" u="none" strike="noStrike" cap="none" normalizeH="0" baseline="0" dirty="0">
+                <a:ln>
+                  <a:noFill/>
+                </a:ln>
+                <a:solidFill>
+                  <a:srgbClr val="FFFFFF"/>
+                </a:solidFill>
+                <a:effectLst/>
+                <a:latin typeface="Verdana" panose="020B0604030504040204" pitchFamily="34" charset="0"/>
+              </a:rPr>
+              <a:t> </a:t>
+            </a:r>
+            <a:r>
+              <a:rPr kumimoji="0" lang="en-US" altLang="en-US" sz="1800" u="none" strike="noStrike" cap="none" normalizeH="0" baseline="0" dirty="0" err="1">
+                <a:ln>
+                  <a:noFill/>
+                </a:ln>
+                <a:solidFill>
+                  <a:srgbClr val="FFFFFF"/>
+                </a:solidFill>
+                <a:effectLst/>
+                <a:latin typeface="Verdana" panose="020B0604030504040204" pitchFamily="34" charset="0"/>
+              </a:rPr>
+              <a:t>velit</a:t>
+            </a:r>
+            <a:r>
+              <a:rPr kumimoji="0" lang="en-US" altLang="en-US" sz="1800" u="none" strike="noStrike" cap="none" normalizeH="0" baseline="0" dirty="0">
+                <a:ln>
+                  <a:noFill/>
+                </a:ln>
+                <a:solidFill>
+                  <a:srgbClr val="FFFFFF"/>
+                </a:solidFill>
+                <a:effectLst/>
+                <a:latin typeface="Verdana" panose="020B0604030504040204" pitchFamily="34" charset="0"/>
+              </a:rPr>
+              <a:t> </a:t>
+            </a:r>
+            <a:r>
+              <a:rPr kumimoji="0" lang="en-US" altLang="en-US" sz="1800" u="none" strike="noStrike" cap="none" normalizeH="0" baseline="0" dirty="0" err="1">
+                <a:ln>
+                  <a:noFill/>
+                </a:ln>
+                <a:solidFill>
+                  <a:srgbClr val="FFFFFF"/>
+                </a:solidFill>
+                <a:effectLst/>
+                <a:latin typeface="Verdana" panose="020B0604030504040204" pitchFamily="34" charset="0"/>
+              </a:rPr>
+              <a:t>esse</a:t>
+            </a:r>
+            <a:r>
+              <a:rPr kumimoji="0" lang="en-US" altLang="en-US" sz="1800" u="none" strike="noStrike" cap="none" normalizeH="0" baseline="0" dirty="0">
+                <a:ln>
+                  <a:noFill/>
+                </a:ln>
+                <a:solidFill>
+                  <a:srgbClr val="FFFFFF"/>
+                </a:solidFill>
+                <a:effectLst/>
+                <a:latin typeface="Verdana" panose="020B0604030504040204" pitchFamily="34" charset="0"/>
+              </a:rPr>
+              <a:t> </a:t>
+            </a:r>
+            <a:r>
+              <a:rPr kumimoji="0" lang="en-US" altLang="en-US" sz="1800" u="none" strike="noStrike" cap="none" normalizeH="0" baseline="0" dirty="0" err="1">
+                <a:ln>
+                  <a:noFill/>
+                </a:ln>
+                <a:solidFill>
+                  <a:srgbClr val="FFFFFF"/>
+                </a:solidFill>
+                <a:effectLst/>
+                <a:latin typeface="Verdana" panose="020B0604030504040204" pitchFamily="34" charset="0"/>
+              </a:rPr>
+              <a:t>cillum</a:t>
+            </a:r>
+            <a:r>
+              <a:rPr kumimoji="0" lang="en-US" altLang="en-US" sz="1800" u="none" strike="noStrike" cap="none" normalizeH="0" baseline="0" dirty="0">
+                <a:ln>
+                  <a:noFill/>
+                </a:ln>
+                <a:solidFill>
+                  <a:srgbClr val="FFFFFF"/>
+                </a:solidFill>
+                <a:effectLst/>
+                <a:latin typeface="Verdana" panose="020B0604030504040204" pitchFamily="34" charset="0"/>
+              </a:rPr>
+              <a:t> dolore </a:t>
+            </a:r>
+            <a:r>
+              <a:rPr kumimoji="0" lang="en-US" altLang="en-US" sz="1800" u="none" strike="noStrike" cap="none" normalizeH="0" baseline="0" dirty="0" err="1">
+                <a:ln>
+                  <a:noFill/>
+                </a:ln>
+                <a:solidFill>
+                  <a:srgbClr val="FFFFFF"/>
+                </a:solidFill>
+                <a:effectLst/>
+                <a:latin typeface="Verdana" panose="020B0604030504040204" pitchFamily="34" charset="0"/>
+              </a:rPr>
+              <a:t>eu</a:t>
+            </a:r>
+            <a:r>
+              <a:rPr kumimoji="0" lang="en-US" altLang="en-US" sz="1800" u="none" strike="noStrike" cap="none" normalizeH="0" baseline="0" dirty="0">
+                <a:ln>
+                  <a:noFill/>
+                </a:ln>
+                <a:solidFill>
+                  <a:srgbClr val="FFFFFF"/>
+                </a:solidFill>
+                <a:effectLst/>
+                <a:latin typeface="Verdana" panose="020B0604030504040204" pitchFamily="34" charset="0"/>
+              </a:rPr>
+              <a:t> </a:t>
+            </a:r>
+            <a:r>
+              <a:rPr kumimoji="0" lang="en-US" altLang="en-US" sz="1800" u="none" strike="noStrike" cap="none" normalizeH="0" baseline="0" dirty="0" err="1">
+                <a:ln>
+                  <a:noFill/>
+                </a:ln>
+                <a:solidFill>
+                  <a:srgbClr val="FFFFFF"/>
+                </a:solidFill>
+                <a:effectLst/>
+                <a:latin typeface="Verdana" panose="020B0604030504040204" pitchFamily="34" charset="0"/>
+              </a:rPr>
+              <a:t>fugiat</a:t>
+            </a:r>
+            <a:r>
+              <a:rPr kumimoji="0" lang="en-US" altLang="en-US" sz="1800" u="none" strike="noStrike" cap="none" normalizeH="0" baseline="0" dirty="0">
+                <a:ln>
+                  <a:noFill/>
+                </a:ln>
+                <a:solidFill>
+                  <a:srgbClr val="FFFFFF"/>
+                </a:solidFill>
+                <a:effectLst/>
+                <a:latin typeface="Verdana" panose="020B0604030504040204" pitchFamily="34" charset="0"/>
+              </a:rPr>
+              <a:t> </a:t>
+            </a:r>
+            <a:r>
+              <a:rPr kumimoji="0" lang="en-US" altLang="en-US" sz="1800" u="none" strike="noStrike" cap="none" normalizeH="0" baseline="0" dirty="0" err="1">
+                <a:ln>
+                  <a:noFill/>
+                </a:ln>
+                <a:solidFill>
+                  <a:srgbClr val="FFFFFF"/>
+                </a:solidFill>
+                <a:effectLst/>
+                <a:latin typeface="Verdana" panose="020B0604030504040204" pitchFamily="34" charset="0"/>
+              </a:rPr>
+              <a:t>nulla</a:t>
+            </a:r>
+            <a:r>
+              <a:rPr kumimoji="0" lang="en-US" altLang="en-US" sz="1800" u="none" strike="noStrike" cap="none" normalizeH="0" baseline="0" dirty="0">
+                <a:ln>
+                  <a:noFill/>
+                </a:ln>
+                <a:solidFill>
+                  <a:srgbClr val="FFFFFF"/>
+                </a:solidFill>
+                <a:effectLst/>
+                <a:latin typeface="Verdana" panose="020B0604030504040204" pitchFamily="34" charset="0"/>
+              </a:rPr>
+              <a:t> </a:t>
+            </a:r>
+            <a:r>
+              <a:rPr kumimoji="0" lang="en-US" altLang="en-US" sz="1800" u="none" strike="noStrike" cap="none" normalizeH="0" baseline="0" dirty="0" err="1">
+                <a:ln>
+                  <a:noFill/>
+                </a:ln>
+                <a:solidFill>
+                  <a:srgbClr val="FFFFFF"/>
+                </a:solidFill>
+                <a:effectLst/>
+                <a:latin typeface="Verdana" panose="020B0604030504040204" pitchFamily="34" charset="0"/>
+              </a:rPr>
+              <a:t>pariatur</a:t>
+            </a:r>
+            <a:r>
+              <a:rPr kumimoji="0" lang="en-US" altLang="en-US" sz="1800" u="none" strike="noStrike" cap="none" normalizeH="0" baseline="0" dirty="0">
+                <a:ln>
+                  <a:noFill/>
+                </a:ln>
+                <a:solidFill>
+                  <a:srgbClr val="FFFFFF"/>
+                </a:solidFill>
+                <a:effectLst/>
+                <a:latin typeface="Verdana" panose="020B0604030504040204" pitchFamily="34" charset="0"/>
+              </a:rPr>
+              <a:t>. </a:t>
+            </a:r>
+            <a:r>
+              <a:rPr kumimoji="0" lang="en-US" altLang="en-US" sz="1800" u="none" strike="noStrike" cap="none" normalizeH="0" baseline="0" dirty="0" err="1">
+                <a:ln>
+                  <a:noFill/>
+                </a:ln>
+                <a:solidFill>
+                  <a:srgbClr val="FFFFFF"/>
+                </a:solidFill>
+                <a:effectLst/>
+                <a:latin typeface="Verdana" panose="020B0604030504040204" pitchFamily="34" charset="0"/>
+              </a:rPr>
+              <a:t>Excepteur</a:t>
+            </a:r>
+            <a:r>
+              <a:rPr kumimoji="0" lang="en-US" altLang="en-US" sz="1800" u="none" strike="noStrike" cap="none" normalizeH="0" baseline="0" dirty="0">
+                <a:ln>
+                  <a:noFill/>
+                </a:ln>
+                <a:solidFill>
+                  <a:srgbClr val="FFFFFF"/>
+                </a:solidFill>
+                <a:effectLst/>
+                <a:latin typeface="Verdana" panose="020B0604030504040204" pitchFamily="34" charset="0"/>
+              </a:rPr>
+              <a:t> </a:t>
+            </a:r>
+            <a:r>
+              <a:rPr kumimoji="0" lang="en-US" altLang="en-US" sz="1800" u="none" strike="noStrike" cap="none" normalizeH="0" baseline="0" dirty="0" err="1">
+                <a:ln>
+                  <a:noFill/>
+                </a:ln>
+                <a:solidFill>
+                  <a:srgbClr val="FFFFFF"/>
+                </a:solidFill>
+                <a:effectLst/>
+                <a:latin typeface="Verdana" panose="020B0604030504040204" pitchFamily="34" charset="0"/>
+              </a:rPr>
+              <a:t>sint</a:t>
+            </a:r>
+            <a:r>
+              <a:rPr kumimoji="0" lang="en-US" altLang="en-US" sz="1800" u="none" strike="noStrike" cap="none" normalizeH="0" baseline="0" dirty="0">
+                <a:ln>
+                  <a:noFill/>
+                </a:ln>
+                <a:solidFill>
+                  <a:srgbClr val="FFFFFF"/>
+                </a:solidFill>
+                <a:effectLst/>
+                <a:latin typeface="Verdana" panose="020B0604030504040204" pitchFamily="34" charset="0"/>
+              </a:rPr>
+              <a:t> </a:t>
+            </a:r>
+            <a:r>
+              <a:rPr kumimoji="0" lang="en-US" altLang="en-US" sz="1800" u="none" strike="noStrike" cap="none" normalizeH="0" baseline="0" dirty="0" err="1">
+                <a:ln>
+                  <a:noFill/>
+                </a:ln>
+                <a:solidFill>
+                  <a:srgbClr val="FFFFFF"/>
+                </a:solidFill>
+                <a:effectLst/>
+                <a:latin typeface="Verdana" panose="020B0604030504040204" pitchFamily="34" charset="0"/>
+              </a:rPr>
+              <a:t>occaecat</a:t>
+            </a:r>
+            <a:r>
+              <a:rPr kumimoji="0" lang="en-US" altLang="en-US" sz="1800" u="none" strike="noStrike" cap="none" normalizeH="0" baseline="0" dirty="0">
+                <a:ln>
+                  <a:noFill/>
+                </a:ln>
+                <a:solidFill>
+                  <a:srgbClr val="FFFFFF"/>
+                </a:solidFill>
+                <a:effectLst/>
+                <a:latin typeface="Verdana" panose="020B0604030504040204" pitchFamily="34" charset="0"/>
+              </a:rPr>
+              <a:t> </a:t>
+            </a:r>
+            <a:r>
+              <a:rPr kumimoji="0" lang="en-US" altLang="en-US" sz="1800" u="none" strike="noStrike" cap="none" normalizeH="0" baseline="0" dirty="0" err="1">
+                <a:ln>
+                  <a:noFill/>
+                </a:ln>
+                <a:solidFill>
+                  <a:srgbClr val="FFFFFF"/>
+                </a:solidFill>
+                <a:effectLst/>
+                <a:latin typeface="Verdana" panose="020B0604030504040204" pitchFamily="34" charset="0"/>
+              </a:rPr>
+              <a:t>cupidatat</a:t>
+            </a:r>
+            <a:r>
+              <a:rPr kumimoji="0" lang="en-US" altLang="en-US" sz="1800" u="none" strike="noStrike" cap="none" normalizeH="0" baseline="0" dirty="0">
+                <a:ln>
+                  <a:noFill/>
+                </a:ln>
+                <a:solidFill>
+                  <a:srgbClr val="FFFFFF"/>
+                </a:solidFill>
+                <a:effectLst/>
+                <a:latin typeface="Verdana" panose="020B0604030504040204" pitchFamily="34" charset="0"/>
+              </a:rPr>
+              <a:t> non </a:t>
+            </a:r>
+            <a:r>
+              <a:rPr kumimoji="0" lang="en-US" altLang="en-US" sz="1800" u="none" strike="noStrike" cap="none" normalizeH="0" baseline="0" dirty="0" err="1">
+                <a:ln>
+                  <a:noFill/>
+                </a:ln>
+                <a:solidFill>
+                  <a:srgbClr val="FFFFFF"/>
+                </a:solidFill>
+                <a:effectLst/>
+                <a:latin typeface="Verdana" panose="020B0604030504040204" pitchFamily="34" charset="0"/>
+              </a:rPr>
+              <a:t>proident</a:t>
+            </a:r>
+            <a:r>
+              <a:rPr kumimoji="0" lang="en-US" altLang="en-US" sz="1800" u="none" strike="noStrike" cap="none" normalizeH="0" baseline="0" dirty="0">
+                <a:ln>
+                  <a:noFill/>
+                </a:ln>
+                <a:solidFill>
+                  <a:srgbClr val="FFFFFF"/>
+                </a:solidFill>
+                <a:effectLst/>
+                <a:latin typeface="Verdana" panose="020B0604030504040204" pitchFamily="34" charset="0"/>
+              </a:rPr>
+              <a:t>, sunt in culpa qui </a:t>
+            </a:r>
+            <a:r>
+              <a:rPr kumimoji="0" lang="en-US" altLang="en-US" sz="1800" u="none" strike="noStrike" cap="none" normalizeH="0" baseline="0" dirty="0" err="1">
+                <a:ln>
+                  <a:noFill/>
+                </a:ln>
+                <a:solidFill>
+                  <a:srgbClr val="FFFFFF"/>
+                </a:solidFill>
+                <a:effectLst/>
+                <a:latin typeface="Verdana" panose="020B0604030504040204" pitchFamily="34" charset="0"/>
+              </a:rPr>
+              <a:t>officia</a:t>
+            </a:r>
+            <a:r>
+              <a:rPr kumimoji="0" lang="en-US" altLang="en-US" sz="1800" u="none" strike="noStrike" cap="none" normalizeH="0" baseline="0" dirty="0">
+                <a:ln>
+                  <a:noFill/>
+                </a:ln>
+                <a:solidFill>
+                  <a:srgbClr val="FFFFFF"/>
+                </a:solidFill>
+                <a:effectLst/>
+                <a:latin typeface="Verdana" panose="020B0604030504040204" pitchFamily="34" charset="0"/>
+              </a:rPr>
+              <a:t> </a:t>
+            </a:r>
+            <a:r>
+              <a:rPr kumimoji="0" lang="en-US" altLang="en-US" sz="1800" u="none" strike="noStrike" cap="none" normalizeH="0" baseline="0" dirty="0" err="1">
+                <a:ln>
+                  <a:noFill/>
+                </a:ln>
+                <a:solidFill>
+                  <a:srgbClr val="FFFFFF"/>
+                </a:solidFill>
+                <a:effectLst/>
+                <a:latin typeface="Verdana" panose="020B0604030504040204" pitchFamily="34" charset="0"/>
+              </a:rPr>
+              <a:t>deserunt</a:t>
+            </a:r>
+            <a:r>
+              <a:rPr kumimoji="0" lang="en-US" altLang="en-US" sz="1800" u="none" strike="noStrike" cap="none" normalizeH="0" baseline="0" dirty="0">
+                <a:ln>
+                  <a:noFill/>
+                </a:ln>
+                <a:solidFill>
+                  <a:srgbClr val="FFFFFF"/>
+                </a:solidFill>
+                <a:effectLst/>
+                <a:latin typeface="Verdana" panose="020B0604030504040204" pitchFamily="34" charset="0"/>
+              </a:rPr>
+              <a:t> </a:t>
+            </a:r>
+            <a:r>
+              <a:rPr kumimoji="0" lang="en-US" altLang="en-US" sz="1800" u="none" strike="noStrike" cap="none" normalizeH="0" baseline="0" dirty="0" err="1">
+                <a:ln>
+                  <a:noFill/>
+                </a:ln>
+                <a:solidFill>
+                  <a:srgbClr val="FFFFFF"/>
+                </a:solidFill>
+                <a:effectLst/>
+                <a:latin typeface="Verdana" panose="020B0604030504040204" pitchFamily="34" charset="0"/>
+              </a:rPr>
+              <a:t>mollit</a:t>
+            </a:r>
+            <a:r>
+              <a:rPr kumimoji="0" lang="en-US" altLang="en-US" sz="1800" u="none" strike="noStrike" cap="none" normalizeH="0" baseline="0" dirty="0">
+                <a:ln>
+                  <a:noFill/>
+                </a:ln>
+                <a:solidFill>
+                  <a:srgbClr val="FFFFFF"/>
+                </a:solidFill>
+                <a:effectLst/>
+                <a:latin typeface="Verdana" panose="020B0604030504040204" pitchFamily="34" charset="0"/>
+              </a:rPr>
+              <a:t> </a:t>
+            </a:r>
+            <a:r>
+              <a:rPr kumimoji="0" lang="en-US" altLang="en-US" sz="1800" u="none" strike="noStrike" cap="none" normalizeH="0" baseline="0" dirty="0" err="1">
+                <a:ln>
+                  <a:noFill/>
+                </a:ln>
+                <a:solidFill>
+                  <a:srgbClr val="FFFFFF"/>
+                </a:solidFill>
+                <a:effectLst/>
+                <a:latin typeface="Verdana" panose="020B0604030504040204" pitchFamily="34" charset="0"/>
+              </a:rPr>
+              <a:t>anim</a:t>
+            </a:r>
+            <a:r>
+              <a:rPr kumimoji="0" lang="en-US" altLang="en-US" sz="1800" u="none" strike="noStrike" cap="none" normalizeH="0" baseline="0" dirty="0">
+                <a:ln>
+                  <a:noFill/>
+                </a:ln>
+                <a:solidFill>
+                  <a:srgbClr val="FFFFFF"/>
+                </a:solidFill>
+                <a:effectLst/>
+                <a:latin typeface="Verdana" panose="020B0604030504040204" pitchFamily="34" charset="0"/>
+              </a:rPr>
+              <a:t> id </a:t>
+            </a:r>
+            <a:r>
+              <a:rPr kumimoji="0" lang="en-US" altLang="en-US" sz="1800" u="none" strike="noStrike" cap="none" normalizeH="0" baseline="0" dirty="0" err="1">
+                <a:ln>
+                  <a:noFill/>
+                </a:ln>
+                <a:solidFill>
+                  <a:srgbClr val="FFFFFF"/>
+                </a:solidFill>
+                <a:effectLst/>
+                <a:latin typeface="Verdana" panose="020B0604030504040204" pitchFamily="34" charset="0"/>
+              </a:rPr>
+              <a:t>est</a:t>
+            </a:r>
+            <a:r>
+              <a:rPr kumimoji="0" lang="en-US" altLang="en-US" sz="1800" u="none" strike="noStrike" cap="none" normalizeH="0" baseline="0" dirty="0">
+                <a:ln>
+                  <a:noFill/>
+                </a:ln>
+                <a:solidFill>
+                  <a:srgbClr val="FFFFFF"/>
+                </a:solidFill>
+                <a:effectLst/>
+                <a:latin typeface="Verdana" panose="020B0604030504040204" pitchFamily="34" charset="0"/>
+              </a:rPr>
+              <a:t> </a:t>
+            </a:r>
+            <a:r>
+              <a:rPr kumimoji="0" lang="en-US" altLang="en-US" sz="1800" u="none" strike="noStrike" cap="none" normalizeH="0" baseline="0" dirty="0" err="1">
+                <a:ln>
+                  <a:noFill/>
+                </a:ln>
+                <a:solidFill>
+                  <a:srgbClr val="FFFFFF"/>
+                </a:solidFill>
+                <a:effectLst/>
+                <a:latin typeface="Verdana" panose="020B0604030504040204" pitchFamily="34" charset="0"/>
+              </a:rPr>
+              <a:t>laborum</a:t>
+            </a:r>
+            <a:r>
+              <a:rPr kumimoji="0" lang="en-US" altLang="en-US" sz="1800" u="none" strike="noStrike" cap="none" normalizeH="0" baseline="0" dirty="0">
+                <a:ln>
+                  <a:noFill/>
+                </a:ln>
+                <a:solidFill>
+                  <a:srgbClr val="FFFFFF"/>
+                </a:solidFill>
+                <a:effectLst/>
+                <a:latin typeface="Verdana" panose="020B0604030504040204" pitchFamily="34" charset="0"/>
+              </a:rPr>
+              <a:t>.</a:t>
+            </a:r>
+          </a:p>
+          <a:p>
+            <a:pPr marL="0" marR="0" lvl="0" indent="0" algn="l" defTabSz="914400" rtl="0" eaLnBrk="0" fontAlgn="base" latinLnBrk="0" hangingPunct="0">
+              <a:lnSpc>
+                <a:spcPct val="100000"/>
+              </a:lnSpc>
+              <a:spcBef>
+                <a:spcPct val="0"/>
+              </a:spcBef>
+              <a:spcAft>
+                <a:spcPct val="0"/>
+              </a:spcAft>
+              <a:buClrTx/>
+              <a:buSzTx/>
+              <a:buFontTx/>
+              <a:buNone/>
+              <a:tabLst/>
+            </a:pPr>
+            <a:endParaRPr kumimoji="0" lang="en-US" altLang="en-US" sz="1800" b="0" i="0" u="none" strike="noStrike" cap="none" normalizeH="0" baseline="0" dirty="0">
+              <a:ln>
+                <a:noFill/>
+              </a:ln>
+              <a:solidFill>
+                <a:schemeClr val="tx1"/>
+              </a:solidFill>
+              <a:effectLst/>
+              <a:latin typeface="Arial" panose="020B0604020202020204" pitchFamily="34" charset="0"/>
+            </a:endParaRPr>
+          </a:p>
+        </p:txBody>
+      </p:sp>
+      <p:pic>
+        <p:nvPicPr>
+          <p:cNvPr id="6" name="Picture 5" descr="A close up of a logo&#10;&#10;Description automatically generated">
+            <a:extLst>
+              <a:ext uri="{FF2B5EF4-FFF2-40B4-BE49-F238E27FC236}">
+                <a16:creationId xmlns:a16="http://schemas.microsoft.com/office/drawing/2014/main" id="{9D86CE3B-9DD2-41F5-BE8A-B71F59CEA384}"/>
+              </a:ext>
+            </a:extLst>
+          </p:cNvPr>
+          <p:cNvPicPr>
+            <a:picLocks noChangeAspect="1"/>
+          </p:cNvPicPr>
+          <p:nvPr/>
+        </p:nvPicPr>
+        <p:blipFill>
+          <a:blip r:embed="rId9">
+            <a:lum bright="70000" contrast="-70000"/>
+            <a:extLst>
+              <a:ext uri="{28A0092B-C50C-407E-A947-70E740481C1C}">
+                <a14:useLocalDpi xmlns:a14="http://schemas.microsoft.com/office/drawing/2010/main" val="0"/>
+              </a:ext>
+            </a:extLst>
+          </a:blip>
+          <a:stretch>
+            <a:fillRect/>
+          </a:stretch>
+        </p:blipFill>
+        <p:spPr>
+          <a:xfrm>
+            <a:off x="4460105" y="4903493"/>
+            <a:ext cx="528638" cy="528638"/>
+          </a:xfrm>
+          <a:prstGeom prst="rect">
+            <a:avLst/>
+          </a:prstGeom>
+        </p:spPr>
+      </p:pic>
+      <p:pic>
+        <p:nvPicPr>
+          <p:cNvPr id="7" name="Picture 2" descr="Black And White Email Icon #125937 - Free Icons Library">
+            <a:extLst>
+              <a:ext uri="{FF2B5EF4-FFF2-40B4-BE49-F238E27FC236}">
+                <a16:creationId xmlns:a16="http://schemas.microsoft.com/office/drawing/2014/main" id="{9801B42B-69EE-43E3-9738-F9CF4CFAD46A}"/>
+              </a:ext>
+            </a:extLst>
+          </p:cNvPr>
+          <p:cNvPicPr>
+            <a:picLocks noChangeAspect="1" noChangeArrowheads="1"/>
+          </p:cNvPicPr>
+          <p:nvPr/>
+        </p:nvPicPr>
+        <p:blipFill>
+          <a:blip r:embed="rId10">
+            <a:clrChange>
+              <a:clrFrom>
+                <a:srgbClr val="FFFFFF"/>
+              </a:clrFrom>
+              <a:clrTo>
+                <a:srgbClr val="FFFFFF">
+                  <a:alpha val="0"/>
+                </a:srgbClr>
+              </a:clrTo>
+            </a:clrChange>
+            <a:lum bright="70000" contrast="-70000"/>
+            <a:extLst>
+              <a:ext uri="{28A0092B-C50C-407E-A947-70E740481C1C}">
+                <a14:useLocalDpi xmlns:a14="http://schemas.microsoft.com/office/drawing/2010/main" val="0"/>
+              </a:ext>
+            </a:extLst>
+          </a:blip>
+          <a:srcRect/>
+          <a:stretch>
+            <a:fillRect/>
+          </a:stretch>
+        </p:blipFill>
+        <p:spPr bwMode="auto">
+          <a:xfrm>
+            <a:off x="3907984" y="5598490"/>
+            <a:ext cx="528638" cy="528638"/>
+          </a:xfrm>
+          <a:prstGeom prst="rect">
+            <a:avLst/>
+          </a:prstGeom>
+          <a:noFill/>
+          <a:extLst>
+            <a:ext uri="{909E8E84-426E-40DD-AFC4-6F175D3DCCD1}">
+              <a14:hiddenFill xmlns:a14="http://schemas.microsoft.com/office/drawing/2010/main">
+                <a:solidFill>
+                  <a:srgbClr val="FFFFFF"/>
+                </a:solidFill>
+              </a14:hiddenFill>
+            </a:ext>
+          </a:extLst>
+        </p:spPr>
+      </p:pic>
+      <p:sp>
+        <p:nvSpPr>
+          <p:cNvPr id="8" name="Rectangle 7">
+            <a:extLst>
+              <a:ext uri="{FF2B5EF4-FFF2-40B4-BE49-F238E27FC236}">
+                <a16:creationId xmlns:a16="http://schemas.microsoft.com/office/drawing/2014/main" id="{04A99430-74C2-40E0-B06B-6812F2BA6D6B}"/>
+              </a:ext>
+            </a:extLst>
+          </p:cNvPr>
+          <p:cNvSpPr/>
+          <p:nvPr/>
+        </p:nvSpPr>
+        <p:spPr>
+          <a:xfrm>
+            <a:off x="5036753" y="4951769"/>
+            <a:ext cx="2614068" cy="369332"/>
+          </a:xfrm>
+          <a:prstGeom prst="rect">
+            <a:avLst/>
+          </a:prstGeom>
+        </p:spPr>
+        <p:txBody>
+          <a:bodyPr wrap="square">
+            <a:spAutoFit/>
+          </a:bodyPr>
+          <a:lstStyle/>
+          <a:p>
+            <a:pPr lvl="0" eaLnBrk="0" fontAlgn="base" hangingPunct="0">
+              <a:spcBef>
+                <a:spcPct val="0"/>
+              </a:spcBef>
+              <a:spcAft>
+                <a:spcPct val="0"/>
+              </a:spcAft>
+            </a:pPr>
+            <a:r>
+              <a:rPr lang="en-US" altLang="en-US" dirty="0">
+                <a:solidFill>
+                  <a:srgbClr val="FFFFFF"/>
+                </a:solidFill>
+                <a:latin typeface="Verdana" panose="020B0604030504040204" pitchFamily="34" charset="0"/>
+              </a:rPr>
+              <a:t>@</a:t>
+            </a:r>
+            <a:r>
+              <a:rPr lang="en-US" altLang="en-US" dirty="0" err="1">
+                <a:solidFill>
+                  <a:srgbClr val="FFFFFF"/>
+                </a:solidFill>
+                <a:latin typeface="Verdana" panose="020B0604030504040204" pitchFamily="34" charset="0"/>
+              </a:rPr>
+              <a:t>exampleinst</a:t>
+            </a:r>
+            <a:endParaRPr lang="en-US" altLang="en-US" dirty="0">
+              <a:solidFill>
+                <a:srgbClr val="FFFFFF"/>
+              </a:solidFill>
+              <a:latin typeface="Verdana" panose="020B0604030504040204" pitchFamily="34" charset="0"/>
+            </a:endParaRPr>
+          </a:p>
+        </p:txBody>
+      </p:sp>
+      <p:sp>
+        <p:nvSpPr>
+          <p:cNvPr id="19" name="Rectangle 18">
+            <a:extLst>
+              <a:ext uri="{FF2B5EF4-FFF2-40B4-BE49-F238E27FC236}">
+                <a16:creationId xmlns:a16="http://schemas.microsoft.com/office/drawing/2014/main" id="{E6CA1FC1-112B-4465-ABFE-CD40C7818E32}"/>
+              </a:ext>
+            </a:extLst>
+          </p:cNvPr>
+          <p:cNvSpPr/>
+          <p:nvPr/>
+        </p:nvSpPr>
+        <p:spPr>
+          <a:xfrm>
+            <a:off x="4460105" y="5660346"/>
+            <a:ext cx="3847782" cy="369332"/>
+          </a:xfrm>
+          <a:prstGeom prst="rect">
+            <a:avLst/>
+          </a:prstGeom>
+        </p:spPr>
+        <p:txBody>
+          <a:bodyPr wrap="square">
+            <a:spAutoFit/>
+          </a:bodyPr>
+          <a:lstStyle/>
+          <a:p>
+            <a:pPr lvl="0" eaLnBrk="0" fontAlgn="base" hangingPunct="0">
+              <a:spcBef>
+                <a:spcPct val="0"/>
+              </a:spcBef>
+              <a:spcAft>
+                <a:spcPct val="0"/>
+              </a:spcAft>
+            </a:pPr>
+            <a:r>
+              <a:rPr lang="en-US" altLang="en-US" dirty="0">
+                <a:solidFill>
+                  <a:srgbClr val="FFFFFF"/>
+                </a:solidFill>
+                <a:latin typeface="Verdana" panose="020B0604030504040204" pitchFamily="34" charset="0"/>
+              </a:rPr>
+              <a:t>exampleemail@example.com</a:t>
+            </a:r>
+          </a:p>
+        </p:txBody>
+      </p:sp>
+      <p:sp>
+        <p:nvSpPr>
+          <p:cNvPr id="22" name="Rectangle 23">
+            <a:extLst>
+              <a:ext uri="{FF2B5EF4-FFF2-40B4-BE49-F238E27FC236}">
+                <a16:creationId xmlns:a16="http://schemas.microsoft.com/office/drawing/2014/main" id="{D709E031-4968-4D74-A1A5-84FB83F2CFF6}"/>
+              </a:ext>
+            </a:extLst>
+          </p:cNvPr>
+          <p:cNvSpPr>
+            <a:spLocks noChangeArrowheads="1"/>
+          </p:cNvSpPr>
+          <p:nvPr/>
+        </p:nvSpPr>
+        <p:spPr bwMode="auto">
+          <a:xfrm>
+            <a:off x="4460105" y="4142085"/>
+            <a:ext cx="2794355" cy="584775"/>
+          </a:xfrm>
+          <a:prstGeom prst="rect">
+            <a:avLst/>
+          </a:prstGeom>
+          <a:noFill/>
+          <a:ln>
+            <a:noFill/>
+          </a:ln>
+          <a:effectLst/>
+          <a:extLst>
+            <a:ext uri="{909E8E84-426E-40DD-AFC4-6F175D3DCCD1}">
+              <a14:hiddenFill xmlns:a14="http://schemas.microsoft.com/office/drawing/2010/main">
+                <a:solidFill>
+                  <a:schemeClr val="accent1"/>
+                </a:solidFill>
+              </a14:hiddenFill>
+            </a:ext>
+            <a:ext uri="{91240B29-F687-4F45-9708-019B960494DF}">
+              <a14:hiddenLine xmlns:a14="http://schemas.microsoft.com/office/drawing/2010/main" w="9525">
+                <a:solidFill>
+                  <a:schemeClr val="tx1"/>
+                </a:solidFill>
+                <a:miter lim="800000"/>
+                <a:headEnd/>
+                <a:tailEnd/>
+              </a14:hiddenLine>
+            </a:ext>
+            <a:ext uri="{AF507438-7753-43E0-B8FC-AC1667EBCBE1}">
+              <a14:hiddenEffects xmlns:a14="http://schemas.microsoft.com/office/drawing/2010/main">
+                <a:effectLst>
+                  <a:outerShdw dist="35921" dir="2700000" algn="ctr" rotWithShape="0">
+                    <a:schemeClr val="bg2"/>
+                  </a:outerShdw>
+                </a:effectLst>
+              </a14:hiddenEffects>
+            </a:ext>
+          </a:extLst>
+        </p:spPr>
+        <p:txBody>
+          <a:bodyPr vert="horz" wrap="none" lIns="91440" tIns="45720" rIns="91440" bIns="45720" numCol="1" anchor="ctr" anchorCtr="0" compatLnSpc="1">
+            <a:prstTxWarp prst="textNoShape">
+              <a:avLst/>
+            </a:prstTxWarp>
+            <a:spAutoFit/>
+          </a:bodyPr>
+          <a:lstStyle>
+            <a:lvl1pPr eaLnBrk="0" fontAlgn="base" hangingPunct="0">
+              <a:spcBef>
+                <a:spcPct val="0"/>
+              </a:spcBef>
+              <a:spcAft>
+                <a:spcPct val="0"/>
+              </a:spcAft>
+              <a:defRPr>
+                <a:solidFill>
+                  <a:schemeClr val="tx1"/>
+                </a:solidFill>
+                <a:latin typeface="Arial" panose="020B0604020202020204" pitchFamily="34" charset="0"/>
+              </a:defRPr>
+            </a:lvl1pPr>
+            <a:lvl2pPr eaLnBrk="0" fontAlgn="base" hangingPunct="0">
+              <a:spcBef>
+                <a:spcPct val="0"/>
+              </a:spcBef>
+              <a:spcAft>
+                <a:spcPct val="0"/>
+              </a:spcAft>
+              <a:defRPr>
+                <a:solidFill>
+                  <a:schemeClr val="tx1"/>
+                </a:solidFill>
+                <a:latin typeface="Arial" panose="020B0604020202020204" pitchFamily="34" charset="0"/>
+              </a:defRPr>
+            </a:lvl2pPr>
+            <a:lvl3pPr eaLnBrk="0" fontAlgn="base" hangingPunct="0">
+              <a:spcBef>
+                <a:spcPct val="0"/>
+              </a:spcBef>
+              <a:spcAft>
+                <a:spcPct val="0"/>
+              </a:spcAft>
+              <a:defRPr>
+                <a:solidFill>
+                  <a:schemeClr val="tx1"/>
+                </a:solidFill>
+                <a:latin typeface="Arial" panose="020B0604020202020204" pitchFamily="34" charset="0"/>
+              </a:defRPr>
+            </a:lvl3pPr>
+            <a:lvl4pPr eaLnBrk="0" fontAlgn="base" hangingPunct="0">
+              <a:spcBef>
+                <a:spcPct val="0"/>
+              </a:spcBef>
+              <a:spcAft>
+                <a:spcPct val="0"/>
+              </a:spcAft>
+              <a:defRPr>
+                <a:solidFill>
+                  <a:schemeClr val="tx1"/>
+                </a:solidFill>
+                <a:latin typeface="Arial" panose="020B0604020202020204" pitchFamily="34" charset="0"/>
+              </a:defRPr>
+            </a:lvl4pPr>
+            <a:lvl5pPr eaLnBrk="0" fontAlgn="base" hangingPunct="0">
+              <a:spcBef>
+                <a:spcPct val="0"/>
+              </a:spcBef>
+              <a:spcAft>
+                <a:spcPct val="0"/>
+              </a:spcAft>
+              <a:defRPr>
+                <a:solidFill>
+                  <a:schemeClr val="tx1"/>
+                </a:solidFill>
+                <a:latin typeface="Arial" panose="020B0604020202020204" pitchFamily="34" charset="0"/>
+              </a:defRPr>
+            </a:lvl5pPr>
+            <a:lvl6pPr eaLnBrk="0" fontAlgn="base" hangingPunct="0">
+              <a:spcBef>
+                <a:spcPct val="0"/>
+              </a:spcBef>
+              <a:spcAft>
+                <a:spcPct val="0"/>
+              </a:spcAft>
+              <a:defRPr>
+                <a:solidFill>
+                  <a:schemeClr val="tx1"/>
+                </a:solidFill>
+                <a:latin typeface="Arial" panose="020B0604020202020204" pitchFamily="34" charset="0"/>
+              </a:defRPr>
+            </a:lvl6pPr>
+            <a:lvl7pPr eaLnBrk="0" fontAlgn="base" hangingPunct="0">
+              <a:spcBef>
+                <a:spcPct val="0"/>
+              </a:spcBef>
+              <a:spcAft>
+                <a:spcPct val="0"/>
+              </a:spcAft>
+              <a:defRPr>
+                <a:solidFill>
+                  <a:schemeClr val="tx1"/>
+                </a:solidFill>
+                <a:latin typeface="Arial" panose="020B0604020202020204" pitchFamily="34" charset="0"/>
+              </a:defRPr>
+            </a:lvl7pPr>
+            <a:lvl8pPr eaLnBrk="0" fontAlgn="base" hangingPunct="0">
+              <a:spcBef>
+                <a:spcPct val="0"/>
+              </a:spcBef>
+              <a:spcAft>
+                <a:spcPct val="0"/>
+              </a:spcAft>
+              <a:defRPr>
+                <a:solidFill>
+                  <a:schemeClr val="tx1"/>
+                </a:solidFill>
+                <a:latin typeface="Arial" panose="020B0604020202020204" pitchFamily="34" charset="0"/>
+              </a:defRPr>
+            </a:lvl8pPr>
+            <a:lvl9pPr eaLnBrk="0" fontAlgn="base" hangingPunct="0">
+              <a:spcBef>
+                <a:spcPct val="0"/>
+              </a:spcBef>
+              <a:spcAft>
+                <a:spcPct val="0"/>
+              </a:spcAft>
+              <a:defRPr>
+                <a:solidFill>
+                  <a:schemeClr val="tx1"/>
+                </a:solidFill>
+                <a:latin typeface="Arial" panose="020B0604020202020204" pitchFamily="34" charset="0"/>
+              </a:defRPr>
+            </a:lvl9pPr>
+          </a:lstStyle>
+          <a:p>
+            <a:pPr marL="0" marR="0" lvl="0" indent="0" algn="ctr" defTabSz="914400" rtl="0" eaLnBrk="0" fontAlgn="base" latinLnBrk="0" hangingPunct="0">
+              <a:lnSpc>
+                <a:spcPct val="100000"/>
+              </a:lnSpc>
+              <a:spcBef>
+                <a:spcPct val="0"/>
+              </a:spcBef>
+              <a:spcAft>
+                <a:spcPct val="0"/>
+              </a:spcAft>
+              <a:buClrTx/>
+              <a:buSzTx/>
+              <a:buFontTx/>
+              <a:buNone/>
+              <a:tabLst/>
+            </a:pPr>
+            <a:r>
+              <a:rPr lang="en-US" altLang="en-US" sz="3200" b="1" dirty="0">
+                <a:solidFill>
+                  <a:srgbClr val="FFFFFF"/>
+                </a:solidFill>
+                <a:latin typeface="Verdana" panose="020B0604030504040204" pitchFamily="34" charset="0"/>
+                <a:ea typeface="Verdana" panose="020B0604030504040204" pitchFamily="34" charset="0"/>
+              </a:rPr>
+              <a:t>Contact me</a:t>
+            </a:r>
+            <a:endParaRPr kumimoji="0" lang="en-US" altLang="en-US" sz="800" b="0" i="0" u="none" strike="noStrike" cap="none" normalizeH="0" baseline="0" dirty="0">
+              <a:ln>
+                <a:noFill/>
+              </a:ln>
+              <a:solidFill>
+                <a:schemeClr val="tx1"/>
+              </a:solidFill>
+              <a:effectLst/>
+              <a:latin typeface="Arial" panose="020B0604020202020204" pitchFamily="34" charset="0"/>
+            </a:endParaRPr>
+          </a:p>
+        </p:txBody>
+      </p:sp>
+      <p:pic>
+        <p:nvPicPr>
+          <p:cNvPr id="23" name="Picture 22" descr="A close up of a logo&#10;&#10;Description automatically generated">
+            <a:extLst>
+              <a:ext uri="{FF2B5EF4-FFF2-40B4-BE49-F238E27FC236}">
+                <a16:creationId xmlns:a16="http://schemas.microsoft.com/office/drawing/2014/main" id="{46652609-0C5F-4960-8E7B-4F808E58E9B5}"/>
+              </a:ext>
+            </a:extLst>
+          </p:cNvPr>
+          <p:cNvPicPr>
+            <a:picLocks noChangeAspect="1"/>
+          </p:cNvPicPr>
+          <p:nvPr/>
+        </p:nvPicPr>
+        <p:blipFill>
+          <a:blip r:embed="rId9">
+            <a:lum bright="70000" contrast="-70000"/>
+            <a:extLst>
+              <a:ext uri="{28A0092B-C50C-407E-A947-70E740481C1C}">
+                <a14:useLocalDpi xmlns:a14="http://schemas.microsoft.com/office/drawing/2010/main" val="0"/>
+              </a:ext>
+            </a:extLst>
+          </a:blip>
+          <a:stretch>
+            <a:fillRect/>
+          </a:stretch>
+        </p:blipFill>
+        <p:spPr>
+          <a:xfrm>
+            <a:off x="5452126" y="6451307"/>
+            <a:ext cx="274593" cy="274593"/>
+          </a:xfrm>
+          <a:prstGeom prst="rect">
+            <a:avLst/>
+          </a:prstGeom>
+        </p:spPr>
+      </p:pic>
+      <p:pic>
+        <p:nvPicPr>
+          <p:cNvPr id="24" name="Picture 2" descr="Black And White Email Icon #125937 - Free Icons Library">
+            <a:extLst>
+              <a:ext uri="{FF2B5EF4-FFF2-40B4-BE49-F238E27FC236}">
+                <a16:creationId xmlns:a16="http://schemas.microsoft.com/office/drawing/2014/main" id="{970BCCDA-6FC2-43EC-BA7C-1DEFF99CE522}"/>
+              </a:ext>
+            </a:extLst>
+          </p:cNvPr>
+          <p:cNvPicPr>
+            <a:picLocks noChangeAspect="1" noChangeArrowheads="1"/>
+          </p:cNvPicPr>
+          <p:nvPr/>
+        </p:nvPicPr>
+        <p:blipFill>
+          <a:blip r:embed="rId10">
+            <a:clrChange>
+              <a:clrFrom>
+                <a:srgbClr val="FFFFFF"/>
+              </a:clrFrom>
+              <a:clrTo>
+                <a:srgbClr val="FFFFFF">
+                  <a:alpha val="0"/>
+                </a:srgbClr>
+              </a:clrTo>
+            </a:clrChange>
+            <a:lum bright="70000" contrast="-70000"/>
+            <a:extLst>
+              <a:ext uri="{28A0092B-C50C-407E-A947-70E740481C1C}">
+                <a14:useLocalDpi xmlns:a14="http://schemas.microsoft.com/office/drawing/2010/main" val="0"/>
+              </a:ext>
+            </a:extLst>
+          </a:blip>
+          <a:srcRect/>
+          <a:stretch>
+            <a:fillRect/>
+          </a:stretch>
+        </p:blipFill>
+        <p:spPr bwMode="auto">
+          <a:xfrm>
+            <a:off x="5824751" y="6460373"/>
+            <a:ext cx="274593" cy="274593"/>
+          </a:xfrm>
+          <a:prstGeom prst="rect">
+            <a:avLst/>
+          </a:prstGeom>
+          <a:noFill/>
+          <a:extLst>
+            <a:ext uri="{909E8E84-426E-40DD-AFC4-6F175D3DCCD1}">
+              <a14:hiddenFill xmlns:a14="http://schemas.microsoft.com/office/drawing/2010/main">
+                <a:solidFill>
+                  <a:srgbClr val="FFFFFF"/>
+                </a:solidFill>
+              </a14:hiddenFill>
+            </a:ext>
+          </a:extLst>
+        </p:spPr>
+      </p:pic>
+    </p:spTree>
+    <p:extLst>
+      <p:ext uri="{BB962C8B-B14F-4D97-AF65-F5344CB8AC3E}">
+        <p14:creationId xmlns:p14="http://schemas.microsoft.com/office/powerpoint/2010/main" val="3465747889"/>
+      </p:ext>
+    </p:extLst>
+  </p:cSld>
+  <p:clrMapOvr>
+    <a:masterClrMapping/>
+  </p:clrMapOvr>
+</p:sld>
+</file>
+
+<file path=ppt/slides/slide4.xml><?xml version="1.0" encoding="utf-8"?>
+<p:sld xmlns:a="http://schemas.openxmlformats.org/drawingml/2006/main" xmlns:r="http://schemas.openxmlformats.org/officeDocument/2006/relationships" xmlns:p="http://schemas.openxmlformats.org/presentationml/2006/main">
+  <p:cSld>
+    <p:spTree>
+      <p:nvGrpSpPr>
+        <p:cNvPr id="1" name=""/>
+        <p:cNvGrpSpPr/>
+        <p:nvPr/>
+      </p:nvGrpSpPr>
+      <p:grpSpPr>
+        <a:xfrm>
+          <a:off x="0" y="0"/>
+          <a:ext cx="0" cy="0"/>
+          <a:chOff x="0" y="0"/>
+          <a:chExt cx="0" cy="0"/>
+        </a:xfrm>
+      </p:grpSpPr>
       <p:pic>
         <p:nvPicPr>
           <p:cNvPr id="9" name="Picture 8" descr="A picture containing star, stage, computer, monitor&#10;&#10;Description automatically generated">
@@ -9008,7 +11424,7 @@
 </p:sld>
 </file>
 
-<file path=ppt/slides/slide4.xml><?xml version="1.0" encoding="utf-8"?>
+<file path=ppt/slides/slide5.xml><?xml version="1.0" encoding="utf-8"?>
 <p:sld xmlns:a="http://schemas.openxmlformats.org/drawingml/2006/main" xmlns:r="http://schemas.openxmlformats.org/officeDocument/2006/relationships" xmlns:p="http://schemas.openxmlformats.org/presentationml/2006/main">
   <p:cSld>
     <p:spTree>
